--- a/Presentation.pptx
+++ b/Presentation.pptx
@@ -119,6 +119,11 @@
       </a:defRPr>
     </a:lvl9pPr>
   </p:defaultTextStyle>
+  <p:extLst>
+    <p:ext uri="{EFAFB233-063F-42B5-8137-9DF3F51BA10A}">
+      <p15:sldGuideLst xmlns:p15="http://schemas.microsoft.com/office/powerpoint/2012/main"/>
+    </p:ext>
+  </p:extLst>
 </p:presentation>
 </file>
 
@@ -269,7 +274,7 @@
           <a:p>
             <a:fld id="{424D02BA-DFCD-6B4F-B1B8-047C72DBFE83}" type="datetimeFigureOut">
               <a:rPr lang="en-US" smtClean="0"/>
-              <a:t>9/5/19</a:t>
+              <a:t>9/6/19</a:t>
             </a:fld>
             <a:endParaRPr lang="en-US"/>
           </a:p>
@@ -467,7 +472,7 @@
           <a:p>
             <a:fld id="{424D02BA-DFCD-6B4F-B1B8-047C72DBFE83}" type="datetimeFigureOut">
               <a:rPr lang="en-US" smtClean="0"/>
-              <a:t>9/5/19</a:t>
+              <a:t>9/6/19</a:t>
             </a:fld>
             <a:endParaRPr lang="en-US"/>
           </a:p>
@@ -675,7 +680,7 @@
           <a:p>
             <a:fld id="{424D02BA-DFCD-6B4F-B1B8-047C72DBFE83}" type="datetimeFigureOut">
               <a:rPr lang="en-US" smtClean="0"/>
-              <a:t>9/5/19</a:t>
+              <a:t>9/6/19</a:t>
             </a:fld>
             <a:endParaRPr lang="en-US"/>
           </a:p>
@@ -873,7 +878,7 @@
           <a:p>
             <a:fld id="{424D02BA-DFCD-6B4F-B1B8-047C72DBFE83}" type="datetimeFigureOut">
               <a:rPr lang="en-US" smtClean="0"/>
-              <a:t>9/5/19</a:t>
+              <a:t>9/6/19</a:t>
             </a:fld>
             <a:endParaRPr lang="en-US"/>
           </a:p>
@@ -1148,7 +1153,7 @@
           <a:p>
             <a:fld id="{424D02BA-DFCD-6B4F-B1B8-047C72DBFE83}" type="datetimeFigureOut">
               <a:rPr lang="en-US" smtClean="0"/>
-              <a:t>9/5/19</a:t>
+              <a:t>9/6/19</a:t>
             </a:fld>
             <a:endParaRPr lang="en-US"/>
           </a:p>
@@ -1413,7 +1418,7 @@
           <a:p>
             <a:fld id="{424D02BA-DFCD-6B4F-B1B8-047C72DBFE83}" type="datetimeFigureOut">
               <a:rPr lang="en-US" smtClean="0"/>
-              <a:t>9/5/19</a:t>
+              <a:t>9/6/19</a:t>
             </a:fld>
             <a:endParaRPr lang="en-US"/>
           </a:p>
@@ -1825,7 +1830,7 @@
           <a:p>
             <a:fld id="{424D02BA-DFCD-6B4F-B1B8-047C72DBFE83}" type="datetimeFigureOut">
               <a:rPr lang="en-US" smtClean="0"/>
-              <a:t>9/5/19</a:t>
+              <a:t>9/6/19</a:t>
             </a:fld>
             <a:endParaRPr lang="en-US"/>
           </a:p>
@@ -1966,7 +1971,7 @@
           <a:p>
             <a:fld id="{424D02BA-DFCD-6B4F-B1B8-047C72DBFE83}" type="datetimeFigureOut">
               <a:rPr lang="en-US" smtClean="0"/>
-              <a:t>9/5/19</a:t>
+              <a:t>9/6/19</a:t>
             </a:fld>
             <a:endParaRPr lang="en-US"/>
           </a:p>
@@ -2079,7 +2084,7 @@
           <a:p>
             <a:fld id="{424D02BA-DFCD-6B4F-B1B8-047C72DBFE83}" type="datetimeFigureOut">
               <a:rPr lang="en-US" smtClean="0"/>
-              <a:t>9/5/19</a:t>
+              <a:t>9/6/19</a:t>
             </a:fld>
             <a:endParaRPr lang="en-US"/>
           </a:p>
@@ -2390,7 +2395,7 @@
           <a:p>
             <a:fld id="{424D02BA-DFCD-6B4F-B1B8-047C72DBFE83}" type="datetimeFigureOut">
               <a:rPr lang="en-US" smtClean="0"/>
-              <a:t>9/5/19</a:t>
+              <a:t>9/6/19</a:t>
             </a:fld>
             <a:endParaRPr lang="en-US"/>
           </a:p>
@@ -2678,7 +2683,7 @@
           <a:p>
             <a:fld id="{424D02BA-DFCD-6B4F-B1B8-047C72DBFE83}" type="datetimeFigureOut">
               <a:rPr lang="en-US" smtClean="0"/>
-              <a:t>9/5/19</a:t>
+              <a:t>9/6/19</a:t>
             </a:fld>
             <a:endParaRPr lang="en-US"/>
           </a:p>
@@ -2919,7 +2924,7 @@
           <a:p>
             <a:fld id="{424D02BA-DFCD-6B4F-B1B8-047C72DBFE83}" type="datetimeFigureOut">
               <a:rPr lang="en-US" smtClean="0"/>
-              <a:t>9/5/19</a:t>
+              <a:t>9/6/19</a:t>
             </a:fld>
             <a:endParaRPr lang="en-US"/>
           </a:p>
@@ -5331,7 +5336,7 @@
           <a:graphicData uri="http://schemas.openxmlformats.org/presentationml/2006/ole">
             <mc:AlternateContent xmlns:mc="http://schemas.openxmlformats.org/markup-compatibility/2006">
               <mc:Choice xmlns:v="urn:schemas-microsoft-com:vml" Requires="v">
-                <p:oleObj spid="_x0000_s2105" r:id="rId3" imgW="1727200" imgH="342900" progId="Equation.KSEE3">
+                <p:oleObj spid="_x0000_s2114" r:id="rId3" imgW="1727200" imgH="342900" progId="Equation.KSEE3">
                   <p:embed/>
                 </p:oleObj>
               </mc:Choice>
@@ -5413,7 +5418,7 @@
           <a:graphicData uri="http://schemas.openxmlformats.org/presentationml/2006/ole">
             <mc:AlternateContent xmlns:mc="http://schemas.openxmlformats.org/markup-compatibility/2006">
               <mc:Choice xmlns:v="urn:schemas-microsoft-com:vml" Requires="v">
-                <p:oleObj spid="_x0000_s2106" r:id="rId5" imgW="1397000" imgH="342900" progId="Equation.KSEE3">
+                <p:oleObj spid="_x0000_s2115" r:id="rId5" imgW="1397000" imgH="342900" progId="Equation.KSEE3">
                   <p:embed/>
                 </p:oleObj>
               </mc:Choice>
@@ -5495,7 +5500,7 @@
           <a:graphicData uri="http://schemas.openxmlformats.org/presentationml/2006/ole">
             <mc:AlternateContent xmlns:mc="http://schemas.openxmlformats.org/markup-compatibility/2006">
               <mc:Choice xmlns:v="urn:schemas-microsoft-com:vml" Requires="v">
-                <p:oleObj spid="_x0000_s2107" r:id="rId7" imgW="660400" imgH="342900" progId="Equation.KSEE3">
+                <p:oleObj spid="_x0000_s2116" r:id="rId7" imgW="660400" imgH="342900" progId="Equation.KSEE3">
                   <p:embed/>
                 </p:oleObj>
               </mc:Choice>
@@ -5577,7 +5582,7 @@
           <a:graphicData uri="http://schemas.openxmlformats.org/presentationml/2006/ole">
             <mc:AlternateContent xmlns:mc="http://schemas.openxmlformats.org/markup-compatibility/2006">
               <mc:Choice xmlns:v="urn:schemas-microsoft-com:vml" Requires="v">
-                <p:oleObj spid="_x0000_s2108" r:id="rId9" imgW="1574800" imgH="342900" progId="Equation.KSEE3">
+                <p:oleObj spid="_x0000_s2117" r:id="rId9" imgW="1574800" imgH="342900" progId="Equation.KSEE3">
                   <p:embed/>
                 </p:oleObj>
               </mc:Choice>
@@ -5659,7 +5664,7 @@
           <a:graphicData uri="http://schemas.openxmlformats.org/presentationml/2006/ole">
             <mc:AlternateContent xmlns:mc="http://schemas.openxmlformats.org/markup-compatibility/2006">
               <mc:Choice xmlns:v="urn:schemas-microsoft-com:vml" Requires="v">
-                <p:oleObj spid="_x0000_s2109" r:id="rId11" imgW="1536700" imgH="355600" progId="Equation.KSEE3">
+                <p:oleObj spid="_x0000_s2118" r:id="rId11" imgW="1536700" imgH="355600" progId="Equation.KSEE3">
                   <p:embed/>
                 </p:oleObj>
               </mc:Choice>
@@ -5741,7 +5746,7 @@
           <a:graphicData uri="http://schemas.openxmlformats.org/presentationml/2006/ole">
             <mc:AlternateContent xmlns:mc="http://schemas.openxmlformats.org/markup-compatibility/2006">
               <mc:Choice xmlns:v="urn:schemas-microsoft-com:vml" Requires="v">
-                <p:oleObj spid="_x0000_s2110" r:id="rId13" imgW="2159000" imgH="241300" progId="Equation.KSEE3">
+                <p:oleObj spid="_x0000_s2119" r:id="rId13" imgW="2159000" imgH="241300" progId="Equation.KSEE3">
                   <p:embed/>
                 </p:oleObj>
               </mc:Choice>
@@ -5823,7 +5828,7 @@
           <a:graphicData uri="http://schemas.openxmlformats.org/presentationml/2006/ole">
             <mc:AlternateContent xmlns:mc="http://schemas.openxmlformats.org/markup-compatibility/2006">
               <mc:Choice xmlns:v="urn:schemas-microsoft-com:vml" Requires="v">
-                <p:oleObj spid="_x0000_s2111" r:id="rId15" imgW="2070100" imgH="228600" progId="Equation.KSEE3">
+                <p:oleObj spid="_x0000_s2120" r:id="rId15" imgW="2070100" imgH="228600" progId="Equation.KSEE3">
                   <p:embed/>
                 </p:oleObj>
               </mc:Choice>
@@ -5905,7 +5910,7 @@
           <a:graphicData uri="http://schemas.openxmlformats.org/presentationml/2006/ole">
             <mc:AlternateContent xmlns:mc="http://schemas.openxmlformats.org/markup-compatibility/2006">
               <mc:Choice xmlns:v="urn:schemas-microsoft-com:vml" Requires="v">
-                <p:oleObj spid="_x0000_s2112" r:id="rId17" imgW="2984500" imgH="266700" progId="Equation.KSEE3">
+                <p:oleObj spid="_x0000_s2121" r:id="rId17" imgW="2984500" imgH="266700" progId="Equation.KSEE3">
                   <p:embed/>
                 </p:oleObj>
               </mc:Choice>
@@ -5987,7 +5992,7 @@
           <a:graphicData uri="http://schemas.openxmlformats.org/presentationml/2006/ole">
             <mc:AlternateContent xmlns:mc="http://schemas.openxmlformats.org/markup-compatibility/2006">
               <mc:Choice xmlns:v="urn:schemas-microsoft-com:vml" Requires="v">
-                <p:oleObj spid="_x0000_s2113" r:id="rId19" imgW="3238500" imgH="279400" progId="Equation.KSEE3">
+                <p:oleObj spid="_x0000_s2122" r:id="rId19" imgW="3238500" imgH="279400" progId="Equation.KSEE3">
                   <p:embed/>
                 </p:oleObj>
               </mc:Choice>
@@ -7171,7 +7176,7 @@
           <a:graphicData uri="http://schemas.openxmlformats.org/presentationml/2006/ole">
             <mc:AlternateContent xmlns:mc="http://schemas.openxmlformats.org/markup-compatibility/2006">
               <mc:Choice xmlns:v="urn:schemas-microsoft-com:vml" Requires="v">
-                <p:oleObj spid="_x0000_s1035" r:id="rId3" imgW="2743200" imgH="457200" progId="Equation.KSEE3">
+                <p:oleObj spid="_x0000_s1036" r:id="rId3" imgW="2743200" imgH="457200" progId="Equation.KSEE3">
                   <p:embed/>
                 </p:oleObj>
               </mc:Choice>
@@ -7513,6 +7518,96 @@
           </a:p>
         </p:txBody>
       </p:sp>
+      <p:pic>
+        <p:nvPicPr>
+          <p:cNvPr id="4" name="Picture 3" descr="A screenshot of a computer&#10;&#10;Description automatically generated">
+            <a:extLst>
+              <a:ext uri="{FF2B5EF4-FFF2-40B4-BE49-F238E27FC236}">
+                <a16:creationId xmlns:a16="http://schemas.microsoft.com/office/drawing/2014/main" id="{1862710F-CAB2-0243-9295-3D604238FF2F}"/>
+              </a:ext>
+            </a:extLst>
+          </p:cNvPr>
+          <p:cNvPicPr>
+            <a:picLocks noChangeAspect="1"/>
+          </p:cNvPicPr>
+          <p:nvPr/>
+        </p:nvPicPr>
+        <p:blipFill>
+          <a:blip r:embed="rId2"/>
+          <a:stretch>
+            <a:fillRect/>
+          </a:stretch>
+        </p:blipFill>
+        <p:spPr>
+          <a:xfrm>
+            <a:off x="0" y="1355074"/>
+            <a:ext cx="4053104" cy="4968140"/>
+          </a:xfrm>
+          <a:prstGeom prst="rect">
+            <a:avLst/>
+          </a:prstGeom>
+        </p:spPr>
+      </p:pic>
+      <p:pic>
+        <p:nvPicPr>
+          <p:cNvPr id="5" name="Picture 4">
+            <a:extLst>
+              <a:ext uri="{FF2B5EF4-FFF2-40B4-BE49-F238E27FC236}">
+                <a16:creationId xmlns:a16="http://schemas.microsoft.com/office/drawing/2014/main" id="{D8843674-4618-4B4C-B372-0E717A3AE276}"/>
+              </a:ext>
+            </a:extLst>
+          </p:cNvPr>
+          <p:cNvPicPr>
+            <a:picLocks noChangeAspect="1"/>
+          </p:cNvPicPr>
+          <p:nvPr/>
+        </p:nvPicPr>
+        <p:blipFill>
+          <a:blip r:embed="rId3"/>
+          <a:stretch>
+            <a:fillRect/>
+          </a:stretch>
+        </p:blipFill>
+        <p:spPr>
+          <a:xfrm>
+            <a:off x="4053103" y="1355073"/>
+            <a:ext cx="4053103" cy="4968139"/>
+          </a:xfrm>
+          <a:prstGeom prst="rect">
+            <a:avLst/>
+          </a:prstGeom>
+        </p:spPr>
+      </p:pic>
+      <p:pic>
+        <p:nvPicPr>
+          <p:cNvPr id="7" name="Picture 6" descr="A screenshot of a computer&#10;&#10;Description automatically generated">
+            <a:extLst>
+              <a:ext uri="{FF2B5EF4-FFF2-40B4-BE49-F238E27FC236}">
+                <a16:creationId xmlns:a16="http://schemas.microsoft.com/office/drawing/2014/main" id="{F4324C70-8735-694E-8B5A-CFB33E88B058}"/>
+              </a:ext>
+            </a:extLst>
+          </p:cNvPr>
+          <p:cNvPicPr>
+            <a:picLocks noChangeAspect="1"/>
+          </p:cNvPicPr>
+          <p:nvPr/>
+        </p:nvPicPr>
+        <p:blipFill>
+          <a:blip r:embed="rId4"/>
+          <a:stretch>
+            <a:fillRect/>
+          </a:stretch>
+        </p:blipFill>
+        <p:spPr>
+          <a:xfrm>
+            <a:off x="8106206" y="1355073"/>
+            <a:ext cx="4053103" cy="4968139"/>
+          </a:xfrm>
+          <a:prstGeom prst="rect">
+            <a:avLst/>
+          </a:prstGeom>
+        </p:spPr>
+      </p:pic>
     </p:spTree>
     <p:extLst>
       <p:ext uri="{BB962C8B-B14F-4D97-AF65-F5344CB8AC3E}">

--- a/Presentation.pptx
+++ b/Presentation.pptx
@@ -8,19 +8,20 @@
     <p:sldId id="256" r:id="rId2"/>
     <p:sldId id="257" r:id="rId3"/>
     <p:sldId id="262" r:id="rId4"/>
-    <p:sldId id="258" r:id="rId5"/>
-    <p:sldId id="259" r:id="rId6"/>
-    <p:sldId id="260" r:id="rId7"/>
-    <p:sldId id="263" r:id="rId8"/>
-    <p:sldId id="264" r:id="rId9"/>
-    <p:sldId id="265" r:id="rId10"/>
-    <p:sldId id="266" r:id="rId11"/>
-    <p:sldId id="267" r:id="rId12"/>
-    <p:sldId id="268" r:id="rId13"/>
-    <p:sldId id="272" r:id="rId14"/>
-    <p:sldId id="269" r:id="rId15"/>
-    <p:sldId id="270" r:id="rId16"/>
-    <p:sldId id="271" r:id="rId17"/>
+    <p:sldId id="273" r:id="rId5"/>
+    <p:sldId id="258" r:id="rId6"/>
+    <p:sldId id="259" r:id="rId7"/>
+    <p:sldId id="260" r:id="rId8"/>
+    <p:sldId id="263" r:id="rId9"/>
+    <p:sldId id="264" r:id="rId10"/>
+    <p:sldId id="265" r:id="rId11"/>
+    <p:sldId id="266" r:id="rId12"/>
+    <p:sldId id="267" r:id="rId13"/>
+    <p:sldId id="268" r:id="rId14"/>
+    <p:sldId id="272" r:id="rId15"/>
+    <p:sldId id="269" r:id="rId16"/>
+    <p:sldId id="270" r:id="rId17"/>
+    <p:sldId id="271" r:id="rId18"/>
   </p:sldIdLst>
   <p:sldSz cx="12192000" cy="6858000"/>
   <p:notesSz cx="6858000" cy="9144000"/>
@@ -3731,6 +3732,175 @@
       </p:grpSpPr>
       <p:sp>
         <p:nvSpPr>
+          <p:cNvPr id="2" name="TextBox 1">
+            <a:extLst>
+              <a:ext uri="{FF2B5EF4-FFF2-40B4-BE49-F238E27FC236}">
+                <a16:creationId xmlns:a16="http://schemas.microsoft.com/office/drawing/2014/main" id="{55C088E4-8FFF-8B42-95E6-67DAEAF887EA}"/>
+              </a:ext>
+            </a:extLst>
+          </p:cNvPr>
+          <p:cNvSpPr txBox="1"/>
+          <p:nvPr/>
+        </p:nvSpPr>
+        <p:spPr>
+          <a:xfrm>
+            <a:off x="1412489" y="534786"/>
+            <a:ext cx="8474927" cy="707886"/>
+          </a:xfrm>
+          <a:prstGeom prst="rect">
+            <a:avLst/>
+          </a:prstGeom>
+          <a:noFill/>
+        </p:spPr>
+        <p:txBody>
+          <a:bodyPr wrap="square" rtlCol="0">
+            <a:spAutoFit/>
+          </a:bodyPr>
+          <a:lstStyle/>
+          <a:p>
+            <a:r>
+              <a:rPr lang="ja-JP" altLang="en-US" sz="4000">
+                <a:latin typeface="STXihei" panose="02010600040101010101" pitchFamily="2" charset="-122"/>
+                <a:ea typeface="STXihei" panose="02010600040101010101" pitchFamily="2" charset="-122"/>
+              </a:rPr>
+              <a:t>最终设计方案</a:t>
+            </a:r>
+            <a:r>
+              <a:rPr lang="zh-CN" altLang="en-US" sz="4000" dirty="0">
+                <a:latin typeface="STXihei" panose="02010600040101010101" pitchFamily="2" charset="-122"/>
+                <a:ea typeface="STXihei" panose="02010600040101010101" pitchFamily="2" charset="-122"/>
+              </a:rPr>
+              <a:t>：</a:t>
+            </a:r>
+            <a:endParaRPr lang="en-US" altLang="zh-CN" sz="4000" dirty="0">
+              <a:latin typeface="STXihei" panose="02010600040101010101" pitchFamily="2" charset="-122"/>
+              <a:ea typeface="STXihei" panose="02010600040101010101" pitchFamily="2" charset="-122"/>
+            </a:endParaRPr>
+          </a:p>
+        </p:txBody>
+      </p:sp>
+      <p:pic>
+        <p:nvPicPr>
+          <p:cNvPr id="4" name="Picture 3" descr="A screenshot of a computer&#10;&#10;Description automatically generated">
+            <a:extLst>
+              <a:ext uri="{FF2B5EF4-FFF2-40B4-BE49-F238E27FC236}">
+                <a16:creationId xmlns:a16="http://schemas.microsoft.com/office/drawing/2014/main" id="{1862710F-CAB2-0243-9295-3D604238FF2F}"/>
+              </a:ext>
+            </a:extLst>
+          </p:cNvPr>
+          <p:cNvPicPr>
+            <a:picLocks noChangeAspect="1"/>
+          </p:cNvPicPr>
+          <p:nvPr/>
+        </p:nvPicPr>
+        <p:blipFill>
+          <a:blip r:embed="rId2"/>
+          <a:stretch>
+            <a:fillRect/>
+          </a:stretch>
+        </p:blipFill>
+        <p:spPr>
+          <a:xfrm>
+            <a:off x="0" y="1355074"/>
+            <a:ext cx="4053104" cy="4968140"/>
+          </a:xfrm>
+          <a:prstGeom prst="rect">
+            <a:avLst/>
+          </a:prstGeom>
+        </p:spPr>
+      </p:pic>
+      <p:pic>
+        <p:nvPicPr>
+          <p:cNvPr id="5" name="Picture 4">
+            <a:extLst>
+              <a:ext uri="{FF2B5EF4-FFF2-40B4-BE49-F238E27FC236}">
+                <a16:creationId xmlns:a16="http://schemas.microsoft.com/office/drawing/2014/main" id="{D8843674-4618-4B4C-B372-0E717A3AE276}"/>
+              </a:ext>
+            </a:extLst>
+          </p:cNvPr>
+          <p:cNvPicPr>
+            <a:picLocks noChangeAspect="1"/>
+          </p:cNvPicPr>
+          <p:nvPr/>
+        </p:nvPicPr>
+        <p:blipFill>
+          <a:blip r:embed="rId3"/>
+          <a:stretch>
+            <a:fillRect/>
+          </a:stretch>
+        </p:blipFill>
+        <p:spPr>
+          <a:xfrm>
+            <a:off x="4053103" y="1355073"/>
+            <a:ext cx="4053103" cy="4968139"/>
+          </a:xfrm>
+          <a:prstGeom prst="rect">
+            <a:avLst/>
+          </a:prstGeom>
+        </p:spPr>
+      </p:pic>
+      <p:pic>
+        <p:nvPicPr>
+          <p:cNvPr id="7" name="Picture 6" descr="A screenshot of a computer&#10;&#10;Description automatically generated">
+            <a:extLst>
+              <a:ext uri="{FF2B5EF4-FFF2-40B4-BE49-F238E27FC236}">
+                <a16:creationId xmlns:a16="http://schemas.microsoft.com/office/drawing/2014/main" id="{F4324C70-8735-694E-8B5A-CFB33E88B058}"/>
+              </a:ext>
+            </a:extLst>
+          </p:cNvPr>
+          <p:cNvPicPr>
+            <a:picLocks noChangeAspect="1"/>
+          </p:cNvPicPr>
+          <p:nvPr/>
+        </p:nvPicPr>
+        <p:blipFill>
+          <a:blip r:embed="rId4"/>
+          <a:stretch>
+            <a:fillRect/>
+          </a:stretch>
+        </p:blipFill>
+        <p:spPr>
+          <a:xfrm>
+            <a:off x="8106206" y="1355073"/>
+            <a:ext cx="4053103" cy="4968139"/>
+          </a:xfrm>
+          <a:prstGeom prst="rect">
+            <a:avLst/>
+          </a:prstGeom>
+        </p:spPr>
+      </p:pic>
+    </p:spTree>
+    <p:extLst>
+      <p:ext uri="{BB962C8B-B14F-4D97-AF65-F5344CB8AC3E}">
+        <p14:creationId xmlns:p14="http://schemas.microsoft.com/office/powerpoint/2010/main" val="332718708"/>
+      </p:ext>
+    </p:extLst>
+  </p:cSld>
+  <p:clrMapOvr>
+    <a:masterClrMapping/>
+  </p:clrMapOvr>
+</p:sld>
+</file>
+
+<file path=ppt/slides/slide11.xml><?xml version="1.0" encoding="utf-8"?>
+<p:sld xmlns:a="http://schemas.openxmlformats.org/drawingml/2006/main" xmlns:r="http://schemas.openxmlformats.org/officeDocument/2006/relationships" xmlns:p="http://schemas.openxmlformats.org/presentationml/2006/main">
+  <p:cSld>
+    <p:spTree>
+      <p:nvGrpSpPr>
+        <p:cNvPr id="1" name=""/>
+        <p:cNvGrpSpPr/>
+        <p:nvPr/>
+      </p:nvGrpSpPr>
+      <p:grpSpPr>
+        <a:xfrm>
+          <a:off x="0" y="0"/>
+          <a:ext cx="0" cy="0"/>
+          <a:chOff x="0" y="0"/>
+          <a:chExt cx="0" cy="0"/>
+        </a:xfrm>
+      </p:grpSpPr>
+      <p:sp>
+        <p:nvSpPr>
           <p:cNvPr id="4" name="TextBox 3">
             <a:extLst>
               <a:ext uri="{FF2B5EF4-FFF2-40B4-BE49-F238E27FC236}">
@@ -3865,7 +4035,7 @@
 </p:sld>
 </file>
 
-<file path=ppt/slides/slide11.xml><?xml version="1.0" encoding="utf-8"?>
+<file path=ppt/slides/slide12.xml><?xml version="1.0" encoding="utf-8"?>
 <p:sld xmlns:a="http://schemas.openxmlformats.org/drawingml/2006/main" xmlns:r="http://schemas.openxmlformats.org/officeDocument/2006/relationships" xmlns:p="http://schemas.openxmlformats.org/presentationml/2006/main">
   <p:cSld>
     <p:spTree>
@@ -4018,7 +4188,7 @@
 </p:sld>
 </file>
 
-<file path=ppt/slides/slide12.xml><?xml version="1.0" encoding="utf-8"?>
+<file path=ppt/slides/slide13.xml><?xml version="1.0" encoding="utf-8"?>
 <p:sld xmlns:a="http://schemas.openxmlformats.org/drawingml/2006/main" xmlns:r="http://schemas.openxmlformats.org/officeDocument/2006/relationships" xmlns:p="http://schemas.openxmlformats.org/presentationml/2006/main">
   <p:cSld>
     <p:spTree>
@@ -4171,7 +4341,7 @@
 </p:sld>
 </file>
 
-<file path=ppt/slides/slide13.xml><?xml version="1.0" encoding="utf-8"?>
+<file path=ppt/slides/slide14.xml><?xml version="1.0" encoding="utf-8"?>
 <p:sld xmlns:a="http://schemas.openxmlformats.org/drawingml/2006/main" xmlns:r="http://schemas.openxmlformats.org/officeDocument/2006/relationships" xmlns:p="http://schemas.openxmlformats.org/presentationml/2006/main">
   <p:cSld>
     <p:spTree>
@@ -4294,173 +4464,6 @@
 </p:sld>
 </file>
 
-<file path=ppt/slides/slide14.xml><?xml version="1.0" encoding="utf-8"?>
-<p:sld xmlns:a="http://schemas.openxmlformats.org/drawingml/2006/main" xmlns:r="http://schemas.openxmlformats.org/officeDocument/2006/relationships" xmlns:p="http://schemas.openxmlformats.org/presentationml/2006/main">
-  <p:cSld>
-    <p:spTree>
-      <p:nvGrpSpPr>
-        <p:cNvPr id="1" name=""/>
-        <p:cNvGrpSpPr/>
-        <p:nvPr/>
-      </p:nvGrpSpPr>
-      <p:grpSpPr>
-        <a:xfrm>
-          <a:off x="0" y="0"/>
-          <a:ext cx="0" cy="0"/>
-          <a:chOff x="0" y="0"/>
-          <a:chExt cx="0" cy="0"/>
-        </a:xfrm>
-      </p:grpSpPr>
-      <p:sp>
-        <p:nvSpPr>
-          <p:cNvPr id="4" name="TextBox 3">
-            <a:extLst>
-              <a:ext uri="{FF2B5EF4-FFF2-40B4-BE49-F238E27FC236}">
-                <a16:creationId xmlns:a16="http://schemas.microsoft.com/office/drawing/2014/main" id="{C65A789E-6CA1-424E-B5C8-E7B05A5FD42E}"/>
-              </a:ext>
-            </a:extLst>
-          </p:cNvPr>
-          <p:cNvSpPr txBox="1"/>
-          <p:nvPr/>
-        </p:nvSpPr>
-        <p:spPr>
-          <a:xfrm>
-            <a:off x="1590907" y="1092820"/>
-            <a:ext cx="9010186" cy="4401205"/>
-          </a:xfrm>
-          <a:prstGeom prst="rect">
-            <a:avLst/>
-          </a:prstGeom>
-          <a:noFill/>
-        </p:spPr>
-        <p:txBody>
-          <a:bodyPr wrap="square" rtlCol="0">
-            <a:spAutoFit/>
-          </a:bodyPr>
-          <a:lstStyle/>
-          <a:p>
-            <a:r>
-              <a:rPr lang="ja-JP" altLang="en-US" sz="4000">
-                <a:latin typeface="STXihei" panose="02010600040101010101" pitchFamily="2" charset="-122"/>
-                <a:ea typeface="STXihei" panose="02010600040101010101" pitchFamily="2" charset="-122"/>
-              </a:rPr>
-              <a:t>至此</a:t>
-            </a:r>
-            <a:r>
-              <a:rPr lang="zh-CN" altLang="en-US" sz="4000" dirty="0">
-                <a:latin typeface="STXihei" panose="02010600040101010101" pitchFamily="2" charset="-122"/>
-                <a:ea typeface="STXihei" panose="02010600040101010101" pitchFamily="2" charset="-122"/>
-              </a:rPr>
-              <a:t>，</a:t>
-            </a:r>
-            <a:r>
-              <a:rPr lang="ja-JP" altLang="en-US" sz="4000">
-                <a:latin typeface="STXihei" panose="02010600040101010101" pitchFamily="2" charset="-122"/>
-                <a:ea typeface="STXihei" panose="02010600040101010101" pitchFamily="2" charset="-122"/>
-              </a:rPr>
-              <a:t>我们基本完成了案例所提的要求</a:t>
-            </a:r>
-            <a:r>
-              <a:rPr lang="zh-CN" altLang="en-US" sz="4000" dirty="0">
-                <a:latin typeface="STXihei" panose="02010600040101010101" pitchFamily="2" charset="-122"/>
-                <a:ea typeface="STXihei" panose="02010600040101010101" pitchFamily="2" charset="-122"/>
-              </a:rPr>
-              <a:t>：</a:t>
-            </a:r>
-            <a:r>
-              <a:rPr lang="ja-JP" altLang="en-US" sz="4000">
-                <a:latin typeface="STXihei" panose="02010600040101010101" pitchFamily="2" charset="-122"/>
-                <a:ea typeface="STXihei" panose="02010600040101010101" pitchFamily="2" charset="-122"/>
-              </a:rPr>
-              <a:t>设计大规模</a:t>
-            </a:r>
-            <a:r>
-              <a:rPr lang="en-US" altLang="ja-JP" sz="4000" dirty="0">
-                <a:latin typeface="STXihei" panose="02010600040101010101" pitchFamily="2" charset="-122"/>
-                <a:ea typeface="STXihei" panose="02010600040101010101" pitchFamily="2" charset="-122"/>
-              </a:rPr>
-              <a:t>milk-run</a:t>
-            </a:r>
-            <a:r>
-              <a:rPr lang="ja-JP" altLang="en-US" sz="4000">
-                <a:latin typeface="STXihei" panose="02010600040101010101" pitchFamily="2" charset="-122"/>
-                <a:ea typeface="STXihei" panose="02010600040101010101" pitchFamily="2" charset="-122"/>
-              </a:rPr>
-              <a:t>方案</a:t>
-            </a:r>
-            <a:r>
-              <a:rPr lang="zh-CN" altLang="en-US" sz="4000" dirty="0">
-                <a:latin typeface="STXihei" panose="02010600040101010101" pitchFamily="2" charset="-122"/>
-                <a:ea typeface="STXihei" panose="02010600040101010101" pitchFamily="2" charset="-122"/>
-              </a:rPr>
-              <a:t>，</a:t>
-            </a:r>
-            <a:r>
-              <a:rPr lang="ja-JP" altLang="en-US" sz="4000">
-                <a:latin typeface="STXihei" panose="02010600040101010101" pitchFamily="2" charset="-122"/>
-                <a:ea typeface="STXihei" panose="02010600040101010101" pitchFamily="2" charset="-122"/>
-              </a:rPr>
-              <a:t>进行突发因素的分析</a:t>
-            </a:r>
-            <a:r>
-              <a:rPr lang="zh-CN" altLang="en-US" sz="4000" dirty="0">
-                <a:latin typeface="STXihei" panose="02010600040101010101" pitchFamily="2" charset="-122"/>
-                <a:ea typeface="STXihei" panose="02010600040101010101" pitchFamily="2" charset="-122"/>
-              </a:rPr>
-              <a:t>。</a:t>
-            </a:r>
-            <a:endParaRPr lang="en-US" altLang="zh-CN" sz="4000" dirty="0">
-              <a:latin typeface="STXihei" panose="02010600040101010101" pitchFamily="2" charset="-122"/>
-              <a:ea typeface="STXihei" panose="02010600040101010101" pitchFamily="2" charset="-122"/>
-            </a:endParaRPr>
-          </a:p>
-          <a:p>
-            <a:endParaRPr lang="en-US" sz="4000" dirty="0">
-              <a:latin typeface="STXihei" panose="02010600040101010101" pitchFamily="2" charset="-122"/>
-              <a:ea typeface="STXihei" panose="02010600040101010101" pitchFamily="2" charset="-122"/>
-            </a:endParaRPr>
-          </a:p>
-          <a:p>
-            <a:r>
-              <a:rPr lang="ja-JP" altLang="en-US" sz="4000">
-                <a:latin typeface="STXihei" panose="02010600040101010101" pitchFamily="2" charset="-122"/>
-                <a:ea typeface="STXihei" panose="02010600040101010101" pitchFamily="2" charset="-122"/>
-              </a:rPr>
-              <a:t>我们的项目地址</a:t>
-            </a:r>
-            <a:r>
-              <a:rPr lang="zh-CN" altLang="en-US" sz="4000" dirty="0">
-                <a:latin typeface="STXihei" panose="02010600040101010101" pitchFamily="2" charset="-122"/>
-                <a:ea typeface="STXihei" panose="02010600040101010101" pitchFamily="2" charset="-122"/>
-              </a:rPr>
-              <a:t>：</a:t>
-            </a:r>
-            <a:r>
-              <a:rPr lang="en-US" sz="4000" dirty="0">
-                <a:hlinkClick r:id="rId2"/>
-              </a:rPr>
-              <a:t>https://github.com/lx1374327576/logistic_project/</a:t>
-            </a:r>
-            <a:endParaRPr lang="en-US" sz="4000" dirty="0">
-              <a:latin typeface="STXihei" panose="02010600040101010101" pitchFamily="2" charset="-122"/>
-              <a:ea typeface="STXihei" panose="02010600040101010101" pitchFamily="2" charset="-122"/>
-            </a:endParaRPr>
-          </a:p>
-        </p:txBody>
-      </p:sp>
-    </p:spTree>
-    <p:extLst>
-      <p:ext uri="{BB962C8B-B14F-4D97-AF65-F5344CB8AC3E}">
-        <p14:creationId xmlns:p14="http://schemas.microsoft.com/office/powerpoint/2010/main" val="441705871"/>
-      </p:ext>
-    </p:extLst>
-  </p:cSld>
-  <p:clrMapOvr>
-    <a:masterClrMapping/>
-  </p:clrMapOvr>
-</p:sld>
-</file>
-
 <file path=ppt/slides/slide15.xml><?xml version="1.0" encoding="utf-8"?>
 <p:sld xmlns:a="http://schemas.openxmlformats.org/drawingml/2006/main" xmlns:r="http://schemas.openxmlformats.org/officeDocument/2006/relationships" xmlns:p="http://schemas.openxmlformats.org/presentationml/2006/main">
   <p:cSld>
@@ -4483,6 +4486,173 @@
           <p:cNvPr id="4" name="TextBox 3">
             <a:extLst>
               <a:ext uri="{FF2B5EF4-FFF2-40B4-BE49-F238E27FC236}">
+                <a16:creationId xmlns:a16="http://schemas.microsoft.com/office/drawing/2014/main" id="{C65A789E-6CA1-424E-B5C8-E7B05A5FD42E}"/>
+              </a:ext>
+            </a:extLst>
+          </p:cNvPr>
+          <p:cNvSpPr txBox="1"/>
+          <p:nvPr/>
+        </p:nvSpPr>
+        <p:spPr>
+          <a:xfrm>
+            <a:off x="1590907" y="1092820"/>
+            <a:ext cx="9010186" cy="4401205"/>
+          </a:xfrm>
+          <a:prstGeom prst="rect">
+            <a:avLst/>
+          </a:prstGeom>
+          <a:noFill/>
+        </p:spPr>
+        <p:txBody>
+          <a:bodyPr wrap="square" rtlCol="0">
+            <a:spAutoFit/>
+          </a:bodyPr>
+          <a:lstStyle/>
+          <a:p>
+            <a:r>
+              <a:rPr lang="ja-JP" altLang="en-US" sz="4000">
+                <a:latin typeface="STXihei" panose="02010600040101010101" pitchFamily="2" charset="-122"/>
+                <a:ea typeface="STXihei" panose="02010600040101010101" pitchFamily="2" charset="-122"/>
+              </a:rPr>
+              <a:t>至此</a:t>
+            </a:r>
+            <a:r>
+              <a:rPr lang="zh-CN" altLang="en-US" sz="4000" dirty="0">
+                <a:latin typeface="STXihei" panose="02010600040101010101" pitchFamily="2" charset="-122"/>
+                <a:ea typeface="STXihei" panose="02010600040101010101" pitchFamily="2" charset="-122"/>
+              </a:rPr>
+              <a:t>，</a:t>
+            </a:r>
+            <a:r>
+              <a:rPr lang="ja-JP" altLang="en-US" sz="4000">
+                <a:latin typeface="STXihei" panose="02010600040101010101" pitchFamily="2" charset="-122"/>
+                <a:ea typeface="STXihei" panose="02010600040101010101" pitchFamily="2" charset="-122"/>
+              </a:rPr>
+              <a:t>我们基本完成了案例所提的要求</a:t>
+            </a:r>
+            <a:r>
+              <a:rPr lang="zh-CN" altLang="en-US" sz="4000" dirty="0">
+                <a:latin typeface="STXihei" panose="02010600040101010101" pitchFamily="2" charset="-122"/>
+                <a:ea typeface="STXihei" panose="02010600040101010101" pitchFamily="2" charset="-122"/>
+              </a:rPr>
+              <a:t>：</a:t>
+            </a:r>
+            <a:r>
+              <a:rPr lang="ja-JP" altLang="en-US" sz="4000">
+                <a:latin typeface="STXihei" panose="02010600040101010101" pitchFamily="2" charset="-122"/>
+                <a:ea typeface="STXihei" panose="02010600040101010101" pitchFamily="2" charset="-122"/>
+              </a:rPr>
+              <a:t>设计大规模</a:t>
+            </a:r>
+            <a:r>
+              <a:rPr lang="en-US" altLang="ja-JP" sz="4000" dirty="0">
+                <a:latin typeface="STXihei" panose="02010600040101010101" pitchFamily="2" charset="-122"/>
+                <a:ea typeface="STXihei" panose="02010600040101010101" pitchFamily="2" charset="-122"/>
+              </a:rPr>
+              <a:t>milk-run</a:t>
+            </a:r>
+            <a:r>
+              <a:rPr lang="ja-JP" altLang="en-US" sz="4000">
+                <a:latin typeface="STXihei" panose="02010600040101010101" pitchFamily="2" charset="-122"/>
+                <a:ea typeface="STXihei" panose="02010600040101010101" pitchFamily="2" charset="-122"/>
+              </a:rPr>
+              <a:t>方案</a:t>
+            </a:r>
+            <a:r>
+              <a:rPr lang="zh-CN" altLang="en-US" sz="4000" dirty="0">
+                <a:latin typeface="STXihei" panose="02010600040101010101" pitchFamily="2" charset="-122"/>
+                <a:ea typeface="STXihei" panose="02010600040101010101" pitchFamily="2" charset="-122"/>
+              </a:rPr>
+              <a:t>，</a:t>
+            </a:r>
+            <a:r>
+              <a:rPr lang="ja-JP" altLang="en-US" sz="4000">
+                <a:latin typeface="STXihei" panose="02010600040101010101" pitchFamily="2" charset="-122"/>
+                <a:ea typeface="STXihei" panose="02010600040101010101" pitchFamily="2" charset="-122"/>
+              </a:rPr>
+              <a:t>进行突发因素的分析</a:t>
+            </a:r>
+            <a:r>
+              <a:rPr lang="zh-CN" altLang="en-US" sz="4000" dirty="0">
+                <a:latin typeface="STXihei" panose="02010600040101010101" pitchFamily="2" charset="-122"/>
+                <a:ea typeface="STXihei" panose="02010600040101010101" pitchFamily="2" charset="-122"/>
+              </a:rPr>
+              <a:t>。</a:t>
+            </a:r>
+            <a:endParaRPr lang="en-US" altLang="zh-CN" sz="4000" dirty="0">
+              <a:latin typeface="STXihei" panose="02010600040101010101" pitchFamily="2" charset="-122"/>
+              <a:ea typeface="STXihei" panose="02010600040101010101" pitchFamily="2" charset="-122"/>
+            </a:endParaRPr>
+          </a:p>
+          <a:p>
+            <a:endParaRPr lang="en-US" sz="4000" dirty="0">
+              <a:latin typeface="STXihei" panose="02010600040101010101" pitchFamily="2" charset="-122"/>
+              <a:ea typeface="STXihei" panose="02010600040101010101" pitchFamily="2" charset="-122"/>
+            </a:endParaRPr>
+          </a:p>
+          <a:p>
+            <a:r>
+              <a:rPr lang="ja-JP" altLang="en-US" sz="4000">
+                <a:latin typeface="STXihei" panose="02010600040101010101" pitchFamily="2" charset="-122"/>
+                <a:ea typeface="STXihei" panose="02010600040101010101" pitchFamily="2" charset="-122"/>
+              </a:rPr>
+              <a:t>我们的项目地址</a:t>
+            </a:r>
+            <a:r>
+              <a:rPr lang="zh-CN" altLang="en-US" sz="4000" dirty="0">
+                <a:latin typeface="STXihei" panose="02010600040101010101" pitchFamily="2" charset="-122"/>
+                <a:ea typeface="STXihei" panose="02010600040101010101" pitchFamily="2" charset="-122"/>
+              </a:rPr>
+              <a:t>：</a:t>
+            </a:r>
+            <a:r>
+              <a:rPr lang="en-US" sz="4000" dirty="0">
+                <a:hlinkClick r:id="rId2"/>
+              </a:rPr>
+              <a:t>https://github.com/lx1374327576/logistic_project/</a:t>
+            </a:r>
+            <a:endParaRPr lang="en-US" sz="4000" dirty="0">
+              <a:latin typeface="STXihei" panose="02010600040101010101" pitchFamily="2" charset="-122"/>
+              <a:ea typeface="STXihei" panose="02010600040101010101" pitchFamily="2" charset="-122"/>
+            </a:endParaRPr>
+          </a:p>
+        </p:txBody>
+      </p:sp>
+    </p:spTree>
+    <p:extLst>
+      <p:ext uri="{BB962C8B-B14F-4D97-AF65-F5344CB8AC3E}">
+        <p14:creationId xmlns:p14="http://schemas.microsoft.com/office/powerpoint/2010/main" val="441705871"/>
+      </p:ext>
+    </p:extLst>
+  </p:cSld>
+  <p:clrMapOvr>
+    <a:masterClrMapping/>
+  </p:clrMapOvr>
+</p:sld>
+</file>
+
+<file path=ppt/slides/slide16.xml><?xml version="1.0" encoding="utf-8"?>
+<p:sld xmlns:a="http://schemas.openxmlformats.org/drawingml/2006/main" xmlns:r="http://schemas.openxmlformats.org/officeDocument/2006/relationships" xmlns:p="http://schemas.openxmlformats.org/presentationml/2006/main">
+  <p:cSld>
+    <p:spTree>
+      <p:nvGrpSpPr>
+        <p:cNvPr id="1" name=""/>
+        <p:cNvGrpSpPr/>
+        <p:nvPr/>
+      </p:nvGrpSpPr>
+      <p:grpSpPr>
+        <a:xfrm>
+          <a:off x="0" y="0"/>
+          <a:ext cx="0" cy="0"/>
+          <a:chOff x="0" y="0"/>
+          <a:chExt cx="0" cy="0"/>
+        </a:xfrm>
+      </p:grpSpPr>
+      <p:sp>
+        <p:nvSpPr>
+          <p:cNvPr id="4" name="TextBox 3">
+            <a:extLst>
+              <a:ext uri="{FF2B5EF4-FFF2-40B4-BE49-F238E27FC236}">
                 <a16:creationId xmlns:a16="http://schemas.microsoft.com/office/drawing/2014/main" id="{38459FBE-5D38-3941-81F8-21D41D9CA0CD}"/>
               </a:ext>
             </a:extLst>
@@ -4634,7 +4804,7 @@
 </p:sld>
 </file>
 
-<file path=ppt/slides/slide16.xml><?xml version="1.0" encoding="utf-8"?>
+<file path=ppt/slides/slide17.xml><?xml version="1.0" encoding="utf-8"?>
 <p:sld xmlns:a="http://schemas.openxmlformats.org/drawingml/2006/main" xmlns:r="http://schemas.openxmlformats.org/officeDocument/2006/relationships" xmlns:p="http://schemas.openxmlformats.org/presentationml/2006/main">
   <p:cSld>
     <p:spTree>
@@ -5086,12 +5256,42 @@
           <a:chExt cx="0" cy="0"/>
         </a:xfrm>
       </p:grpSpPr>
-      <p:sp>
-        <p:nvSpPr>
-          <p:cNvPr id="2" name="TextBox 1">
-            <a:extLst>
-              <a:ext uri="{FF2B5EF4-FFF2-40B4-BE49-F238E27FC236}">
-                <a16:creationId xmlns:a16="http://schemas.microsoft.com/office/drawing/2014/main" id="{55C088E4-8FFF-8B42-95E6-67DAEAF887EA}"/>
+      <p:pic>
+        <p:nvPicPr>
+          <p:cNvPr id="5" name="Picture 4" descr="A screenshot of a cell phone&#10;&#10;Description automatically generated">
+            <a:extLst>
+              <a:ext uri="{FF2B5EF4-FFF2-40B4-BE49-F238E27FC236}">
+                <a16:creationId xmlns:a16="http://schemas.microsoft.com/office/drawing/2014/main" id="{7A770D96-DEB2-C843-AFB5-50A0125653E2}"/>
+              </a:ext>
+            </a:extLst>
+          </p:cNvPr>
+          <p:cNvPicPr>
+            <a:picLocks noChangeAspect="1"/>
+          </p:cNvPicPr>
+          <p:nvPr/>
+        </p:nvPicPr>
+        <p:blipFill>
+          <a:blip r:embed="rId2"/>
+          <a:stretch>
+            <a:fillRect/>
+          </a:stretch>
+        </p:blipFill>
+        <p:spPr>
+          <a:xfrm>
+            <a:off x="661714" y="2276075"/>
+            <a:ext cx="5963617" cy="3037928"/>
+          </a:xfrm>
+          <a:prstGeom prst="rect">
+            <a:avLst/>
+          </a:prstGeom>
+        </p:spPr>
+      </p:pic>
+      <p:sp>
+        <p:nvSpPr>
+          <p:cNvPr id="6" name="TextBox 5">
+            <a:extLst>
+              <a:ext uri="{FF2B5EF4-FFF2-40B4-BE49-F238E27FC236}">
+                <a16:creationId xmlns:a16="http://schemas.microsoft.com/office/drawing/2014/main" id="{5AF14CBF-E3FD-EE44-AB73-59FA3CD7AD7E}"/>
               </a:ext>
             </a:extLst>
           </p:cNvPr>
@@ -5100,8 +5300,8 @@
         </p:nvSpPr>
         <p:spPr>
           <a:xfrm>
-            <a:off x="1646664" y="523635"/>
-            <a:ext cx="8474927" cy="707886"/>
+            <a:off x="798786" y="1016805"/>
+            <a:ext cx="5496910" cy="707886"/>
           </a:xfrm>
           <a:prstGeom prst="rect">
             <a:avLst/>
@@ -5115,124 +5315,60 @@
           <a:lstStyle/>
           <a:p>
             <a:r>
+              <a:rPr lang="en-US" sz="4000" dirty="0">
+                <a:latin typeface="STXihei" panose="02010600040101010101" pitchFamily="2" charset="-122"/>
+                <a:ea typeface="STXihei" panose="02010600040101010101" pitchFamily="2" charset="-122"/>
+              </a:rPr>
+              <a:t>Milk-run</a:t>
+            </a:r>
+            <a:r>
               <a:rPr lang="ja-JP" altLang="en-US" sz="4000">
                 <a:latin typeface="STXihei" panose="02010600040101010101" pitchFamily="2" charset="-122"/>
                 <a:ea typeface="STXihei" panose="02010600040101010101" pitchFamily="2" charset="-122"/>
               </a:rPr>
-              <a:t>建模分析</a:t>
-            </a:r>
-            <a:r>
-              <a:rPr lang="zh-CN" altLang="en-US" sz="4000" dirty="0">
-                <a:latin typeface="STXihei" panose="02010600040101010101" pitchFamily="2" charset="-122"/>
-                <a:ea typeface="STXihei" panose="02010600040101010101" pitchFamily="2" charset="-122"/>
-              </a:rPr>
-              <a:t>：</a:t>
-            </a:r>
-            <a:endParaRPr lang="en-US" altLang="zh-CN" sz="4000" dirty="0">
+              <a:t>模型因素分析</a:t>
+            </a:r>
+            <a:endParaRPr lang="en-US" sz="4000" dirty="0">
               <a:latin typeface="STXihei" panose="02010600040101010101" pitchFamily="2" charset="-122"/>
               <a:ea typeface="STXihei" panose="02010600040101010101" pitchFamily="2" charset="-122"/>
             </a:endParaRPr>
           </a:p>
         </p:txBody>
       </p:sp>
-      <p:sp>
-        <p:nvSpPr>
-          <p:cNvPr id="4" name="TextBox 3">
-            <a:extLst>
-              <a:ext uri="{FF2B5EF4-FFF2-40B4-BE49-F238E27FC236}">
-                <a16:creationId xmlns:a16="http://schemas.microsoft.com/office/drawing/2014/main" id="{B463B5CE-6C82-EE47-B7EA-EFBFB2BED915}"/>
-              </a:ext>
-            </a:extLst>
-          </p:cNvPr>
-          <p:cNvSpPr txBox="1"/>
+      <p:pic>
+        <p:nvPicPr>
+          <p:cNvPr id="7" name="Picture 6">
+            <a:extLst>
+              <a:ext uri="{FF2B5EF4-FFF2-40B4-BE49-F238E27FC236}">
+                <a16:creationId xmlns:a16="http://schemas.microsoft.com/office/drawing/2014/main" id="{0FD93213-11FC-494C-A41E-039E0F234D1D}"/>
+              </a:ext>
+            </a:extLst>
+          </p:cNvPr>
+          <p:cNvPicPr>
+            <a:picLocks noChangeAspect="1"/>
+          </p:cNvPicPr>
           <p:nvPr/>
-        </p:nvSpPr>
+        </p:nvPicPr>
+        <p:blipFill>
+          <a:blip r:embed="rId3"/>
+          <a:stretch>
+            <a:fillRect/>
+          </a:stretch>
+        </p:blipFill>
         <p:spPr>
           <a:xfrm>
-            <a:off x="2877015" y="1605776"/>
-            <a:ext cx="7772400" cy="3170099"/>
+            <a:off x="7143770" y="1016805"/>
+            <a:ext cx="4386516" cy="4297198"/>
           </a:xfrm>
           <a:prstGeom prst="rect">
             <a:avLst/>
           </a:prstGeom>
-          <a:noFill/>
         </p:spPr>
-        <p:txBody>
-          <a:bodyPr wrap="square" rtlCol="0">
-            <a:spAutoFit/>
-          </a:bodyPr>
-          <a:lstStyle/>
-          <a:p>
-            <a:r>
-              <a:rPr lang="ja-JP" altLang="en-US" sz="4000">
-                <a:latin typeface="STXihei" panose="02010600040101010101" pitchFamily="2" charset="-122"/>
-                <a:ea typeface="STXihei" panose="02010600040101010101" pitchFamily="2" charset="-122"/>
-              </a:rPr>
-              <a:t>和传统</a:t>
-            </a:r>
-            <a:r>
-              <a:rPr lang="en-US" altLang="ja-JP" sz="4000" dirty="0">
-                <a:latin typeface="STXihei" panose="02010600040101010101" pitchFamily="2" charset="-122"/>
-                <a:ea typeface="STXihei" panose="02010600040101010101" pitchFamily="2" charset="-122"/>
-              </a:rPr>
-              <a:t>VRP</a:t>
-            </a:r>
-            <a:r>
-              <a:rPr lang="ja-JP" altLang="en-US" sz="4000">
-                <a:latin typeface="STXihei" panose="02010600040101010101" pitchFamily="2" charset="-122"/>
-                <a:ea typeface="STXihei" panose="02010600040101010101" pitchFamily="2" charset="-122"/>
-              </a:rPr>
-              <a:t>模型相似</a:t>
-            </a:r>
-            <a:endParaRPr lang="en-US" altLang="ja-JP" sz="4000" dirty="0">
-              <a:latin typeface="STXihei" panose="02010600040101010101" pitchFamily="2" charset="-122"/>
-              <a:ea typeface="STXihei" panose="02010600040101010101" pitchFamily="2" charset="-122"/>
-            </a:endParaRPr>
-          </a:p>
-          <a:p>
-            <a:endParaRPr lang="en-US" sz="4000" dirty="0">
-              <a:latin typeface="STXihei" panose="02010600040101010101" pitchFamily="2" charset="-122"/>
-              <a:ea typeface="STXihei" panose="02010600040101010101" pitchFamily="2" charset="-122"/>
-            </a:endParaRPr>
-          </a:p>
-          <a:p>
-            <a:r>
-              <a:rPr lang="ja-JP" altLang="en-US" sz="4000">
-                <a:latin typeface="STXihei" panose="02010600040101010101" pitchFamily="2" charset="-122"/>
-                <a:ea typeface="STXihei" panose="02010600040101010101" pitchFamily="2" charset="-122"/>
-              </a:rPr>
-              <a:t>需要考虑时间和库存因素</a:t>
-            </a:r>
-            <a:endParaRPr lang="en-US" altLang="ja-JP" sz="4000" dirty="0">
-              <a:latin typeface="STXihei" panose="02010600040101010101" pitchFamily="2" charset="-122"/>
-              <a:ea typeface="STXihei" panose="02010600040101010101" pitchFamily="2" charset="-122"/>
-            </a:endParaRPr>
-          </a:p>
-          <a:p>
-            <a:endParaRPr lang="en-US" sz="4000" dirty="0">
-              <a:latin typeface="STXihei" panose="02010600040101010101" pitchFamily="2" charset="-122"/>
-              <a:ea typeface="STXihei" panose="02010600040101010101" pitchFamily="2" charset="-122"/>
-            </a:endParaRPr>
-          </a:p>
-          <a:p>
-            <a:r>
-              <a:rPr lang="ja-JP" altLang="en-US" sz="4000">
-                <a:latin typeface="STXihei" panose="02010600040101010101" pitchFamily="2" charset="-122"/>
-                <a:ea typeface="STXihei" panose="02010600040101010101" pitchFamily="2" charset="-122"/>
-              </a:rPr>
-              <a:t>要进行突发情况的因素分析</a:t>
-            </a:r>
-            <a:endParaRPr lang="en-US" sz="4000" dirty="0">
-              <a:latin typeface="STXihei" panose="02010600040101010101" pitchFamily="2" charset="-122"/>
-              <a:ea typeface="STXihei" panose="02010600040101010101" pitchFamily="2" charset="-122"/>
-            </a:endParaRPr>
-          </a:p>
-        </p:txBody>
-      </p:sp>
+      </p:pic>
     </p:spTree>
     <p:extLst>
       <p:ext uri="{BB962C8B-B14F-4D97-AF65-F5344CB8AC3E}">
-        <p14:creationId xmlns:p14="http://schemas.microsoft.com/office/powerpoint/2010/main" val="2967448030"/>
+        <p14:creationId xmlns:p14="http://schemas.microsoft.com/office/powerpoint/2010/main" val="2060194856"/>
       </p:ext>
     </p:extLst>
   </p:cSld>
@@ -5264,6 +5400,179 @@
           <p:cNvPr id="2" name="TextBox 1">
             <a:extLst>
               <a:ext uri="{FF2B5EF4-FFF2-40B4-BE49-F238E27FC236}">
+                <a16:creationId xmlns:a16="http://schemas.microsoft.com/office/drawing/2014/main" id="{55C088E4-8FFF-8B42-95E6-67DAEAF887EA}"/>
+              </a:ext>
+            </a:extLst>
+          </p:cNvPr>
+          <p:cNvSpPr txBox="1"/>
+          <p:nvPr/>
+        </p:nvSpPr>
+        <p:spPr>
+          <a:xfrm>
+            <a:off x="1646664" y="523635"/>
+            <a:ext cx="8474927" cy="707886"/>
+          </a:xfrm>
+          <a:prstGeom prst="rect">
+            <a:avLst/>
+          </a:prstGeom>
+          <a:noFill/>
+        </p:spPr>
+        <p:txBody>
+          <a:bodyPr wrap="square" rtlCol="0">
+            <a:spAutoFit/>
+          </a:bodyPr>
+          <a:lstStyle/>
+          <a:p>
+            <a:r>
+              <a:rPr lang="ja-JP" altLang="en-US" sz="4000">
+                <a:latin typeface="STXihei" panose="02010600040101010101" pitchFamily="2" charset="-122"/>
+                <a:ea typeface="STXihei" panose="02010600040101010101" pitchFamily="2" charset="-122"/>
+              </a:rPr>
+              <a:t>建模分析</a:t>
+            </a:r>
+            <a:r>
+              <a:rPr lang="zh-CN" altLang="en-US" sz="4000" dirty="0">
+                <a:latin typeface="STXihei" panose="02010600040101010101" pitchFamily="2" charset="-122"/>
+                <a:ea typeface="STXihei" panose="02010600040101010101" pitchFamily="2" charset="-122"/>
+              </a:rPr>
+              <a:t>：</a:t>
+            </a:r>
+            <a:endParaRPr lang="en-US" altLang="zh-CN" sz="4000" dirty="0">
+              <a:latin typeface="STXihei" panose="02010600040101010101" pitchFamily="2" charset="-122"/>
+              <a:ea typeface="STXihei" panose="02010600040101010101" pitchFamily="2" charset="-122"/>
+            </a:endParaRPr>
+          </a:p>
+        </p:txBody>
+      </p:sp>
+      <p:sp>
+        <p:nvSpPr>
+          <p:cNvPr id="4" name="TextBox 3">
+            <a:extLst>
+              <a:ext uri="{FF2B5EF4-FFF2-40B4-BE49-F238E27FC236}">
+                <a16:creationId xmlns:a16="http://schemas.microsoft.com/office/drawing/2014/main" id="{B463B5CE-6C82-EE47-B7EA-EFBFB2BED915}"/>
+              </a:ext>
+            </a:extLst>
+          </p:cNvPr>
+          <p:cNvSpPr txBox="1"/>
+          <p:nvPr/>
+        </p:nvSpPr>
+        <p:spPr>
+          <a:xfrm>
+            <a:off x="2877015" y="1605776"/>
+            <a:ext cx="7772400" cy="3170099"/>
+          </a:xfrm>
+          <a:prstGeom prst="rect">
+            <a:avLst/>
+          </a:prstGeom>
+          <a:noFill/>
+        </p:spPr>
+        <p:txBody>
+          <a:bodyPr wrap="square" rtlCol="0">
+            <a:spAutoFit/>
+          </a:bodyPr>
+          <a:lstStyle/>
+          <a:p>
+            <a:r>
+              <a:rPr lang="ja-JP" altLang="en-US" sz="4000">
+                <a:latin typeface="STXihei" panose="02010600040101010101" pitchFamily="2" charset="-122"/>
+                <a:ea typeface="STXihei" panose="02010600040101010101" pitchFamily="2" charset="-122"/>
+              </a:rPr>
+              <a:t>和传统</a:t>
+            </a:r>
+            <a:r>
+              <a:rPr lang="en-US" altLang="ja-JP" sz="4000" dirty="0">
+                <a:latin typeface="STXihei" panose="02010600040101010101" pitchFamily="2" charset="-122"/>
+                <a:ea typeface="STXihei" panose="02010600040101010101" pitchFamily="2" charset="-122"/>
+              </a:rPr>
+              <a:t>VRP</a:t>
+            </a:r>
+            <a:r>
+              <a:rPr lang="ja-JP" altLang="en-US" sz="4000">
+                <a:latin typeface="STXihei" panose="02010600040101010101" pitchFamily="2" charset="-122"/>
+                <a:ea typeface="STXihei" panose="02010600040101010101" pitchFamily="2" charset="-122"/>
+              </a:rPr>
+              <a:t>模型相似</a:t>
+            </a:r>
+            <a:endParaRPr lang="en-US" altLang="ja-JP" sz="4000" dirty="0">
+              <a:latin typeface="STXihei" panose="02010600040101010101" pitchFamily="2" charset="-122"/>
+              <a:ea typeface="STXihei" panose="02010600040101010101" pitchFamily="2" charset="-122"/>
+            </a:endParaRPr>
+          </a:p>
+          <a:p>
+            <a:endParaRPr lang="en-US" sz="4000" dirty="0">
+              <a:latin typeface="STXihei" panose="02010600040101010101" pitchFamily="2" charset="-122"/>
+              <a:ea typeface="STXihei" panose="02010600040101010101" pitchFamily="2" charset="-122"/>
+            </a:endParaRPr>
+          </a:p>
+          <a:p>
+            <a:r>
+              <a:rPr lang="ja-JP" altLang="en-US" sz="4000">
+                <a:latin typeface="STXihei" panose="02010600040101010101" pitchFamily="2" charset="-122"/>
+                <a:ea typeface="STXihei" panose="02010600040101010101" pitchFamily="2" charset="-122"/>
+              </a:rPr>
+              <a:t>需要考虑时间和库存因素</a:t>
+            </a:r>
+            <a:endParaRPr lang="en-US" altLang="ja-JP" sz="4000" dirty="0">
+              <a:latin typeface="STXihei" panose="02010600040101010101" pitchFamily="2" charset="-122"/>
+              <a:ea typeface="STXihei" panose="02010600040101010101" pitchFamily="2" charset="-122"/>
+            </a:endParaRPr>
+          </a:p>
+          <a:p>
+            <a:endParaRPr lang="en-US" sz="4000" dirty="0">
+              <a:latin typeface="STXihei" panose="02010600040101010101" pitchFamily="2" charset="-122"/>
+              <a:ea typeface="STXihei" panose="02010600040101010101" pitchFamily="2" charset="-122"/>
+            </a:endParaRPr>
+          </a:p>
+          <a:p>
+            <a:r>
+              <a:rPr lang="ja-JP" altLang="en-US" sz="4000">
+                <a:latin typeface="STXihei" panose="02010600040101010101" pitchFamily="2" charset="-122"/>
+                <a:ea typeface="STXihei" panose="02010600040101010101" pitchFamily="2" charset="-122"/>
+              </a:rPr>
+              <a:t>要进行突发情况的因素分析</a:t>
+            </a:r>
+            <a:endParaRPr lang="en-US" sz="4000" dirty="0">
+              <a:latin typeface="STXihei" panose="02010600040101010101" pitchFamily="2" charset="-122"/>
+              <a:ea typeface="STXihei" panose="02010600040101010101" pitchFamily="2" charset="-122"/>
+            </a:endParaRPr>
+          </a:p>
+        </p:txBody>
+      </p:sp>
+    </p:spTree>
+    <p:extLst>
+      <p:ext uri="{BB962C8B-B14F-4D97-AF65-F5344CB8AC3E}">
+        <p14:creationId xmlns:p14="http://schemas.microsoft.com/office/powerpoint/2010/main" val="2967448030"/>
+      </p:ext>
+    </p:extLst>
+  </p:cSld>
+  <p:clrMapOvr>
+    <a:masterClrMapping/>
+  </p:clrMapOvr>
+</p:sld>
+</file>
+
+<file path=ppt/slides/slide6.xml><?xml version="1.0" encoding="utf-8"?>
+<p:sld xmlns:a="http://schemas.openxmlformats.org/drawingml/2006/main" xmlns:r="http://schemas.openxmlformats.org/officeDocument/2006/relationships" xmlns:p="http://schemas.openxmlformats.org/presentationml/2006/main">
+  <p:cSld>
+    <p:spTree>
+      <p:nvGrpSpPr>
+        <p:cNvPr id="1" name=""/>
+        <p:cNvGrpSpPr/>
+        <p:nvPr/>
+      </p:nvGrpSpPr>
+      <p:grpSpPr>
+        <a:xfrm>
+          <a:off x="0" y="0"/>
+          <a:ext cx="0" cy="0"/>
+          <a:chOff x="0" y="0"/>
+          <a:chExt cx="0" cy="0"/>
+        </a:xfrm>
+      </p:grpSpPr>
+      <p:sp>
+        <p:nvSpPr>
+          <p:cNvPr id="2" name="TextBox 1">
+            <a:extLst>
+              <a:ext uri="{FF2B5EF4-FFF2-40B4-BE49-F238E27FC236}">
                 <a16:creationId xmlns:a16="http://schemas.microsoft.com/office/drawing/2014/main" id="{32D34043-096B-1043-ABD1-115EBAA82D66}"/>
               </a:ext>
             </a:extLst>
@@ -5336,7 +5645,7 @@
           <a:graphicData uri="http://schemas.openxmlformats.org/presentationml/2006/ole">
             <mc:AlternateContent xmlns:mc="http://schemas.openxmlformats.org/markup-compatibility/2006">
               <mc:Choice xmlns:v="urn:schemas-microsoft-com:vml" Requires="v">
-                <p:oleObj spid="_x0000_s2114" r:id="rId3" imgW="1727200" imgH="342900" progId="Equation.KSEE3">
+                <p:oleObj spid="_x0000_s2132" r:id="rId3" imgW="1727200" imgH="342900" progId="Equation.KSEE3">
                   <p:embed/>
                 </p:oleObj>
               </mc:Choice>
@@ -5418,7 +5727,7 @@
           <a:graphicData uri="http://schemas.openxmlformats.org/presentationml/2006/ole">
             <mc:AlternateContent xmlns:mc="http://schemas.openxmlformats.org/markup-compatibility/2006">
               <mc:Choice xmlns:v="urn:schemas-microsoft-com:vml" Requires="v">
-                <p:oleObj spid="_x0000_s2115" r:id="rId5" imgW="1397000" imgH="342900" progId="Equation.KSEE3">
+                <p:oleObj spid="_x0000_s2133" r:id="rId5" imgW="1397000" imgH="342900" progId="Equation.KSEE3">
                   <p:embed/>
                 </p:oleObj>
               </mc:Choice>
@@ -5500,7 +5809,7 @@
           <a:graphicData uri="http://schemas.openxmlformats.org/presentationml/2006/ole">
             <mc:AlternateContent xmlns:mc="http://schemas.openxmlformats.org/markup-compatibility/2006">
               <mc:Choice xmlns:v="urn:schemas-microsoft-com:vml" Requires="v">
-                <p:oleObj spid="_x0000_s2116" r:id="rId7" imgW="660400" imgH="342900" progId="Equation.KSEE3">
+                <p:oleObj spid="_x0000_s2134" r:id="rId7" imgW="660400" imgH="342900" progId="Equation.KSEE3">
                   <p:embed/>
                 </p:oleObj>
               </mc:Choice>
@@ -5582,7 +5891,7 @@
           <a:graphicData uri="http://schemas.openxmlformats.org/presentationml/2006/ole">
             <mc:AlternateContent xmlns:mc="http://schemas.openxmlformats.org/markup-compatibility/2006">
               <mc:Choice xmlns:v="urn:schemas-microsoft-com:vml" Requires="v">
-                <p:oleObj spid="_x0000_s2117" r:id="rId9" imgW="1574800" imgH="342900" progId="Equation.KSEE3">
+                <p:oleObj spid="_x0000_s2135" r:id="rId9" imgW="1574800" imgH="342900" progId="Equation.KSEE3">
                   <p:embed/>
                 </p:oleObj>
               </mc:Choice>
@@ -5664,7 +5973,7 @@
           <a:graphicData uri="http://schemas.openxmlformats.org/presentationml/2006/ole">
             <mc:AlternateContent xmlns:mc="http://schemas.openxmlformats.org/markup-compatibility/2006">
               <mc:Choice xmlns:v="urn:schemas-microsoft-com:vml" Requires="v">
-                <p:oleObj spid="_x0000_s2118" r:id="rId11" imgW="1536700" imgH="355600" progId="Equation.KSEE3">
+                <p:oleObj spid="_x0000_s2136" r:id="rId11" imgW="1536700" imgH="355600" progId="Equation.KSEE3">
                   <p:embed/>
                 </p:oleObj>
               </mc:Choice>
@@ -5746,7 +6055,7 @@
           <a:graphicData uri="http://schemas.openxmlformats.org/presentationml/2006/ole">
             <mc:AlternateContent xmlns:mc="http://schemas.openxmlformats.org/markup-compatibility/2006">
               <mc:Choice xmlns:v="urn:schemas-microsoft-com:vml" Requires="v">
-                <p:oleObj spid="_x0000_s2119" r:id="rId13" imgW="2159000" imgH="241300" progId="Equation.KSEE3">
+                <p:oleObj spid="_x0000_s2137" r:id="rId13" imgW="2159000" imgH="241300" progId="Equation.KSEE3">
                   <p:embed/>
                 </p:oleObj>
               </mc:Choice>
@@ -5828,7 +6137,7 @@
           <a:graphicData uri="http://schemas.openxmlformats.org/presentationml/2006/ole">
             <mc:AlternateContent xmlns:mc="http://schemas.openxmlformats.org/markup-compatibility/2006">
               <mc:Choice xmlns:v="urn:schemas-microsoft-com:vml" Requires="v">
-                <p:oleObj spid="_x0000_s2120" r:id="rId15" imgW="2070100" imgH="228600" progId="Equation.KSEE3">
+                <p:oleObj spid="_x0000_s2138" r:id="rId15" imgW="2070100" imgH="228600" progId="Equation.KSEE3">
                   <p:embed/>
                 </p:oleObj>
               </mc:Choice>
@@ -5910,7 +6219,7 @@
           <a:graphicData uri="http://schemas.openxmlformats.org/presentationml/2006/ole">
             <mc:AlternateContent xmlns:mc="http://schemas.openxmlformats.org/markup-compatibility/2006">
               <mc:Choice xmlns:v="urn:schemas-microsoft-com:vml" Requires="v">
-                <p:oleObj spid="_x0000_s2121" r:id="rId17" imgW="2984500" imgH="266700" progId="Equation.KSEE3">
+                <p:oleObj spid="_x0000_s2139" r:id="rId17" imgW="2984500" imgH="266700" progId="Equation.KSEE3">
                   <p:embed/>
                 </p:oleObj>
               </mc:Choice>
@@ -5992,7 +6301,7 @@
           <a:graphicData uri="http://schemas.openxmlformats.org/presentationml/2006/ole">
             <mc:AlternateContent xmlns:mc="http://schemas.openxmlformats.org/markup-compatibility/2006">
               <mc:Choice xmlns:v="urn:schemas-microsoft-com:vml" Requires="v">
-                <p:oleObj spid="_x0000_s2122" r:id="rId19" imgW="3238500" imgH="279400" progId="Equation.KSEE3">
+                <p:oleObj spid="_x0000_s2140" r:id="rId19" imgW="3238500" imgH="279400" progId="Equation.KSEE3">
                   <p:embed/>
                 </p:oleObj>
               </mc:Choice>
@@ -6694,7 +7003,7 @@
 </p:sld>
 </file>
 
-<file path=ppt/slides/slide6.xml><?xml version="1.0" encoding="utf-8"?>
+<file path=ppt/slides/slide7.xml><?xml version="1.0" encoding="utf-8"?>
 <p:sld xmlns:a="http://schemas.openxmlformats.org/drawingml/2006/main" xmlns:r="http://schemas.openxmlformats.org/officeDocument/2006/relationships" xmlns:p="http://schemas.openxmlformats.org/presentationml/2006/main">
   <p:cSld>
     <p:spTree>
@@ -7176,7 +7485,7 @@
           <a:graphicData uri="http://schemas.openxmlformats.org/presentationml/2006/ole">
             <mc:AlternateContent xmlns:mc="http://schemas.openxmlformats.org/markup-compatibility/2006">
               <mc:Choice xmlns:v="urn:schemas-microsoft-com:vml" Requires="v">
-                <p:oleObj spid="_x0000_s1036" r:id="rId3" imgW="2743200" imgH="457200" progId="Equation.KSEE3">
+                <p:oleObj spid="_x0000_s1038" r:id="rId3" imgW="2743200" imgH="457200" progId="Equation.KSEE3">
                   <p:embed/>
                 </p:oleObj>
               </mc:Choice>
@@ -7234,7 +7543,7 @@
 </p:sld>
 </file>
 
-<file path=ppt/slides/slide7.xml><?xml version="1.0" encoding="utf-8"?>
+<file path=ppt/slides/slide8.xml><?xml version="1.0" encoding="utf-8"?>
 <p:sld xmlns:a="http://schemas.openxmlformats.org/drawingml/2006/main" xmlns:r="http://schemas.openxmlformats.org/officeDocument/2006/relationships" xmlns:p="http://schemas.openxmlformats.org/presentationml/2006/main">
   <p:cSld>
     <p:spTree>
@@ -7343,7 +7652,7 @@
 </p:sld>
 </file>
 
-<file path=ppt/slides/slide8.xml><?xml version="1.0" encoding="utf-8"?>
+<file path=ppt/slides/slide9.xml><?xml version="1.0" encoding="utf-8"?>
 <p:sld xmlns:a="http://schemas.openxmlformats.org/drawingml/2006/main" xmlns:r="http://schemas.openxmlformats.org/officeDocument/2006/relationships" xmlns:p="http://schemas.openxmlformats.org/presentationml/2006/main">
   <p:cSld>
     <p:spTree>
@@ -7443,175 +7752,6 @@
     <p:extLst>
       <p:ext uri="{BB962C8B-B14F-4D97-AF65-F5344CB8AC3E}">
         <p14:creationId xmlns:p14="http://schemas.microsoft.com/office/powerpoint/2010/main" val="1261625673"/>
-      </p:ext>
-    </p:extLst>
-  </p:cSld>
-  <p:clrMapOvr>
-    <a:masterClrMapping/>
-  </p:clrMapOvr>
-</p:sld>
-</file>
-
-<file path=ppt/slides/slide9.xml><?xml version="1.0" encoding="utf-8"?>
-<p:sld xmlns:a="http://schemas.openxmlformats.org/drawingml/2006/main" xmlns:r="http://schemas.openxmlformats.org/officeDocument/2006/relationships" xmlns:p="http://schemas.openxmlformats.org/presentationml/2006/main">
-  <p:cSld>
-    <p:spTree>
-      <p:nvGrpSpPr>
-        <p:cNvPr id="1" name=""/>
-        <p:cNvGrpSpPr/>
-        <p:nvPr/>
-      </p:nvGrpSpPr>
-      <p:grpSpPr>
-        <a:xfrm>
-          <a:off x="0" y="0"/>
-          <a:ext cx="0" cy="0"/>
-          <a:chOff x="0" y="0"/>
-          <a:chExt cx="0" cy="0"/>
-        </a:xfrm>
-      </p:grpSpPr>
-      <p:sp>
-        <p:nvSpPr>
-          <p:cNvPr id="2" name="TextBox 1">
-            <a:extLst>
-              <a:ext uri="{FF2B5EF4-FFF2-40B4-BE49-F238E27FC236}">
-                <a16:creationId xmlns:a16="http://schemas.microsoft.com/office/drawing/2014/main" id="{55C088E4-8FFF-8B42-95E6-67DAEAF887EA}"/>
-              </a:ext>
-            </a:extLst>
-          </p:cNvPr>
-          <p:cNvSpPr txBox="1"/>
-          <p:nvPr/>
-        </p:nvSpPr>
-        <p:spPr>
-          <a:xfrm>
-            <a:off x="1412489" y="534786"/>
-            <a:ext cx="8474927" cy="707886"/>
-          </a:xfrm>
-          <a:prstGeom prst="rect">
-            <a:avLst/>
-          </a:prstGeom>
-          <a:noFill/>
-        </p:spPr>
-        <p:txBody>
-          <a:bodyPr wrap="square" rtlCol="0">
-            <a:spAutoFit/>
-          </a:bodyPr>
-          <a:lstStyle/>
-          <a:p>
-            <a:r>
-              <a:rPr lang="ja-JP" altLang="en-US" sz="4000">
-                <a:latin typeface="STXihei" panose="02010600040101010101" pitchFamily="2" charset="-122"/>
-                <a:ea typeface="STXihei" panose="02010600040101010101" pitchFamily="2" charset="-122"/>
-              </a:rPr>
-              <a:t>最终设计方案</a:t>
-            </a:r>
-            <a:r>
-              <a:rPr lang="zh-CN" altLang="en-US" sz="4000" dirty="0">
-                <a:latin typeface="STXihei" panose="02010600040101010101" pitchFamily="2" charset="-122"/>
-                <a:ea typeface="STXihei" panose="02010600040101010101" pitchFamily="2" charset="-122"/>
-              </a:rPr>
-              <a:t>：</a:t>
-            </a:r>
-            <a:endParaRPr lang="en-US" altLang="zh-CN" sz="4000" dirty="0">
-              <a:latin typeface="STXihei" panose="02010600040101010101" pitchFamily="2" charset="-122"/>
-              <a:ea typeface="STXihei" panose="02010600040101010101" pitchFamily="2" charset="-122"/>
-            </a:endParaRPr>
-          </a:p>
-        </p:txBody>
-      </p:sp>
-      <p:pic>
-        <p:nvPicPr>
-          <p:cNvPr id="4" name="Picture 3" descr="A screenshot of a computer&#10;&#10;Description automatically generated">
-            <a:extLst>
-              <a:ext uri="{FF2B5EF4-FFF2-40B4-BE49-F238E27FC236}">
-                <a16:creationId xmlns:a16="http://schemas.microsoft.com/office/drawing/2014/main" id="{1862710F-CAB2-0243-9295-3D604238FF2F}"/>
-              </a:ext>
-            </a:extLst>
-          </p:cNvPr>
-          <p:cNvPicPr>
-            <a:picLocks noChangeAspect="1"/>
-          </p:cNvPicPr>
-          <p:nvPr/>
-        </p:nvPicPr>
-        <p:blipFill>
-          <a:blip r:embed="rId2"/>
-          <a:stretch>
-            <a:fillRect/>
-          </a:stretch>
-        </p:blipFill>
-        <p:spPr>
-          <a:xfrm>
-            <a:off x="0" y="1355074"/>
-            <a:ext cx="4053104" cy="4968140"/>
-          </a:xfrm>
-          <a:prstGeom prst="rect">
-            <a:avLst/>
-          </a:prstGeom>
-        </p:spPr>
-      </p:pic>
-      <p:pic>
-        <p:nvPicPr>
-          <p:cNvPr id="5" name="Picture 4">
-            <a:extLst>
-              <a:ext uri="{FF2B5EF4-FFF2-40B4-BE49-F238E27FC236}">
-                <a16:creationId xmlns:a16="http://schemas.microsoft.com/office/drawing/2014/main" id="{D8843674-4618-4B4C-B372-0E717A3AE276}"/>
-              </a:ext>
-            </a:extLst>
-          </p:cNvPr>
-          <p:cNvPicPr>
-            <a:picLocks noChangeAspect="1"/>
-          </p:cNvPicPr>
-          <p:nvPr/>
-        </p:nvPicPr>
-        <p:blipFill>
-          <a:blip r:embed="rId3"/>
-          <a:stretch>
-            <a:fillRect/>
-          </a:stretch>
-        </p:blipFill>
-        <p:spPr>
-          <a:xfrm>
-            <a:off x="4053103" y="1355073"/>
-            <a:ext cx="4053103" cy="4968139"/>
-          </a:xfrm>
-          <a:prstGeom prst="rect">
-            <a:avLst/>
-          </a:prstGeom>
-        </p:spPr>
-      </p:pic>
-      <p:pic>
-        <p:nvPicPr>
-          <p:cNvPr id="7" name="Picture 6" descr="A screenshot of a computer&#10;&#10;Description automatically generated">
-            <a:extLst>
-              <a:ext uri="{FF2B5EF4-FFF2-40B4-BE49-F238E27FC236}">
-                <a16:creationId xmlns:a16="http://schemas.microsoft.com/office/drawing/2014/main" id="{F4324C70-8735-694E-8B5A-CFB33E88B058}"/>
-              </a:ext>
-            </a:extLst>
-          </p:cNvPr>
-          <p:cNvPicPr>
-            <a:picLocks noChangeAspect="1"/>
-          </p:cNvPicPr>
-          <p:nvPr/>
-        </p:nvPicPr>
-        <p:blipFill>
-          <a:blip r:embed="rId4"/>
-          <a:stretch>
-            <a:fillRect/>
-          </a:stretch>
-        </p:blipFill>
-        <p:spPr>
-          <a:xfrm>
-            <a:off x="8106206" y="1355073"/>
-            <a:ext cx="4053103" cy="4968139"/>
-          </a:xfrm>
-          <a:prstGeom prst="rect">
-            <a:avLst/>
-          </a:prstGeom>
-        </p:spPr>
-      </p:pic>
-    </p:spTree>
-    <p:extLst>
-      <p:ext uri="{BB962C8B-B14F-4D97-AF65-F5344CB8AC3E}">
-        <p14:creationId xmlns:p14="http://schemas.microsoft.com/office/powerpoint/2010/main" val="332718708"/>
       </p:ext>
     </p:extLst>
   </p:cSld>

--- a/Presentation.pptx
+++ b/Presentation.pptx
@@ -7,21 +7,22 @@
   <p:sldIdLst>
     <p:sldId id="256" r:id="rId2"/>
     <p:sldId id="257" r:id="rId3"/>
-    <p:sldId id="262" r:id="rId4"/>
-    <p:sldId id="273" r:id="rId5"/>
-    <p:sldId id="258" r:id="rId6"/>
-    <p:sldId id="259" r:id="rId7"/>
-    <p:sldId id="260" r:id="rId8"/>
-    <p:sldId id="263" r:id="rId9"/>
-    <p:sldId id="264" r:id="rId10"/>
-    <p:sldId id="265" r:id="rId11"/>
-    <p:sldId id="266" r:id="rId12"/>
-    <p:sldId id="267" r:id="rId13"/>
-    <p:sldId id="268" r:id="rId14"/>
-    <p:sldId id="272" r:id="rId15"/>
-    <p:sldId id="269" r:id="rId16"/>
-    <p:sldId id="270" r:id="rId17"/>
-    <p:sldId id="271" r:id="rId18"/>
+    <p:sldId id="274" r:id="rId4"/>
+    <p:sldId id="262" r:id="rId5"/>
+    <p:sldId id="273" r:id="rId6"/>
+    <p:sldId id="258" r:id="rId7"/>
+    <p:sldId id="259" r:id="rId8"/>
+    <p:sldId id="260" r:id="rId9"/>
+    <p:sldId id="263" r:id="rId10"/>
+    <p:sldId id="264" r:id="rId11"/>
+    <p:sldId id="265" r:id="rId12"/>
+    <p:sldId id="266" r:id="rId13"/>
+    <p:sldId id="267" r:id="rId14"/>
+    <p:sldId id="268" r:id="rId15"/>
+    <p:sldId id="272" r:id="rId16"/>
+    <p:sldId id="269" r:id="rId17"/>
+    <p:sldId id="270" r:id="rId18"/>
+    <p:sldId id="271" r:id="rId19"/>
   </p:sldIdLst>
   <p:sldSz cx="12192000" cy="6858000"/>
   <p:notesSz cx="6858000" cy="9144000"/>
@@ -3744,6 +3745,115 @@
         </p:nvSpPr>
         <p:spPr>
           <a:xfrm>
+            <a:off x="1646664" y="523635"/>
+            <a:ext cx="8474927" cy="707886"/>
+          </a:xfrm>
+          <a:prstGeom prst="rect">
+            <a:avLst/>
+          </a:prstGeom>
+          <a:noFill/>
+        </p:spPr>
+        <p:txBody>
+          <a:bodyPr wrap="square" rtlCol="0">
+            <a:spAutoFit/>
+          </a:bodyPr>
+          <a:lstStyle/>
+          <a:p>
+            <a:r>
+              <a:rPr lang="ja-JP" altLang="en-US" sz="4000">
+                <a:latin typeface="STXihei" panose="02010600040101010101" pitchFamily="2" charset="-122"/>
+                <a:ea typeface="STXihei" panose="02010600040101010101" pitchFamily="2" charset="-122"/>
+              </a:rPr>
+              <a:t>运行结果</a:t>
+            </a:r>
+            <a:r>
+              <a:rPr lang="zh-CN" altLang="en-US" sz="4000" dirty="0">
+                <a:latin typeface="STXihei" panose="02010600040101010101" pitchFamily="2" charset="-122"/>
+                <a:ea typeface="STXihei" panose="02010600040101010101" pitchFamily="2" charset="-122"/>
+              </a:rPr>
+              <a:t>：</a:t>
+            </a:r>
+            <a:endParaRPr lang="en-US" altLang="zh-CN" sz="4000" dirty="0">
+              <a:latin typeface="STXihei" panose="02010600040101010101" pitchFamily="2" charset="-122"/>
+              <a:ea typeface="STXihei" panose="02010600040101010101" pitchFamily="2" charset="-122"/>
+            </a:endParaRPr>
+          </a:p>
+        </p:txBody>
+      </p:sp>
+      <p:pic>
+        <p:nvPicPr>
+          <p:cNvPr id="3" name="Picture 2">
+            <a:extLst>
+              <a:ext uri="{FF2B5EF4-FFF2-40B4-BE49-F238E27FC236}">
+                <a16:creationId xmlns:a16="http://schemas.microsoft.com/office/drawing/2014/main" id="{97554A33-F807-764D-BBC8-9543FD21442B}"/>
+              </a:ext>
+            </a:extLst>
+          </p:cNvPr>
+          <p:cNvPicPr>
+            <a:picLocks noChangeAspect="1"/>
+          </p:cNvPicPr>
+          <p:nvPr/>
+        </p:nvPicPr>
+        <p:blipFill>
+          <a:blip r:embed="rId2"/>
+          <a:stretch>
+            <a:fillRect/>
+          </a:stretch>
+        </p:blipFill>
+        <p:spPr>
+          <a:xfrm>
+            <a:off x="1846147" y="2089615"/>
+            <a:ext cx="8499705" cy="2337419"/>
+          </a:xfrm>
+          <a:prstGeom prst="rect">
+            <a:avLst/>
+          </a:prstGeom>
+        </p:spPr>
+      </p:pic>
+    </p:spTree>
+    <p:extLst>
+      <p:ext uri="{BB962C8B-B14F-4D97-AF65-F5344CB8AC3E}">
+        <p14:creationId xmlns:p14="http://schemas.microsoft.com/office/powerpoint/2010/main" val="1261625673"/>
+      </p:ext>
+    </p:extLst>
+  </p:cSld>
+  <p:clrMapOvr>
+    <a:masterClrMapping/>
+  </p:clrMapOvr>
+</p:sld>
+</file>
+
+<file path=ppt/slides/slide11.xml><?xml version="1.0" encoding="utf-8"?>
+<p:sld xmlns:a="http://schemas.openxmlformats.org/drawingml/2006/main" xmlns:r="http://schemas.openxmlformats.org/officeDocument/2006/relationships" xmlns:p="http://schemas.openxmlformats.org/presentationml/2006/main">
+  <p:cSld>
+    <p:spTree>
+      <p:nvGrpSpPr>
+        <p:cNvPr id="1" name=""/>
+        <p:cNvGrpSpPr/>
+        <p:nvPr/>
+      </p:nvGrpSpPr>
+      <p:grpSpPr>
+        <a:xfrm>
+          <a:off x="0" y="0"/>
+          <a:ext cx="0" cy="0"/>
+          <a:chOff x="0" y="0"/>
+          <a:chExt cx="0" cy="0"/>
+        </a:xfrm>
+      </p:grpSpPr>
+      <p:sp>
+        <p:nvSpPr>
+          <p:cNvPr id="2" name="TextBox 1">
+            <a:extLst>
+              <a:ext uri="{FF2B5EF4-FFF2-40B4-BE49-F238E27FC236}">
+                <a16:creationId xmlns:a16="http://schemas.microsoft.com/office/drawing/2014/main" id="{55C088E4-8FFF-8B42-95E6-67DAEAF887EA}"/>
+              </a:ext>
+            </a:extLst>
+          </p:cNvPr>
+          <p:cNvSpPr txBox="1"/>
+          <p:nvPr/>
+        </p:nvSpPr>
+        <p:spPr>
+          <a:xfrm>
             <a:off x="1412489" y="534786"/>
             <a:ext cx="8474927" cy="707886"/>
           </a:xfrm>
@@ -3882,7 +3992,7 @@
 </p:sld>
 </file>
 
-<file path=ppt/slides/slide11.xml><?xml version="1.0" encoding="utf-8"?>
+<file path=ppt/slides/slide12.xml><?xml version="1.0" encoding="utf-8"?>
 <p:sld xmlns:a="http://schemas.openxmlformats.org/drawingml/2006/main" xmlns:r="http://schemas.openxmlformats.org/officeDocument/2006/relationships" xmlns:p="http://schemas.openxmlformats.org/presentationml/2006/main">
   <p:cSld>
     <p:spTree>
@@ -4035,7 +4145,7 @@
 </p:sld>
 </file>
 
-<file path=ppt/slides/slide12.xml><?xml version="1.0" encoding="utf-8"?>
+<file path=ppt/slides/slide13.xml><?xml version="1.0" encoding="utf-8"?>
 <p:sld xmlns:a="http://schemas.openxmlformats.org/drawingml/2006/main" xmlns:r="http://schemas.openxmlformats.org/officeDocument/2006/relationships" xmlns:p="http://schemas.openxmlformats.org/presentationml/2006/main">
   <p:cSld>
     <p:spTree>
@@ -4188,7 +4298,7 @@
 </p:sld>
 </file>
 
-<file path=ppt/slides/slide13.xml><?xml version="1.0" encoding="utf-8"?>
+<file path=ppt/slides/slide14.xml><?xml version="1.0" encoding="utf-8"?>
 <p:sld xmlns:a="http://schemas.openxmlformats.org/drawingml/2006/main" xmlns:r="http://schemas.openxmlformats.org/officeDocument/2006/relationships" xmlns:p="http://schemas.openxmlformats.org/presentationml/2006/main">
   <p:cSld>
     <p:spTree>
@@ -4341,7 +4451,7 @@
 </p:sld>
 </file>
 
-<file path=ppt/slides/slide14.xml><?xml version="1.0" encoding="utf-8"?>
+<file path=ppt/slides/slide15.xml><?xml version="1.0" encoding="utf-8"?>
 <p:sld xmlns:a="http://schemas.openxmlformats.org/drawingml/2006/main" xmlns:r="http://schemas.openxmlformats.org/officeDocument/2006/relationships" xmlns:p="http://schemas.openxmlformats.org/presentationml/2006/main">
   <p:cSld>
     <p:spTree>
@@ -4464,173 +4574,6 @@
 </p:sld>
 </file>
 
-<file path=ppt/slides/slide15.xml><?xml version="1.0" encoding="utf-8"?>
-<p:sld xmlns:a="http://schemas.openxmlformats.org/drawingml/2006/main" xmlns:r="http://schemas.openxmlformats.org/officeDocument/2006/relationships" xmlns:p="http://schemas.openxmlformats.org/presentationml/2006/main">
-  <p:cSld>
-    <p:spTree>
-      <p:nvGrpSpPr>
-        <p:cNvPr id="1" name=""/>
-        <p:cNvGrpSpPr/>
-        <p:nvPr/>
-      </p:nvGrpSpPr>
-      <p:grpSpPr>
-        <a:xfrm>
-          <a:off x="0" y="0"/>
-          <a:ext cx="0" cy="0"/>
-          <a:chOff x="0" y="0"/>
-          <a:chExt cx="0" cy="0"/>
-        </a:xfrm>
-      </p:grpSpPr>
-      <p:sp>
-        <p:nvSpPr>
-          <p:cNvPr id="4" name="TextBox 3">
-            <a:extLst>
-              <a:ext uri="{FF2B5EF4-FFF2-40B4-BE49-F238E27FC236}">
-                <a16:creationId xmlns:a16="http://schemas.microsoft.com/office/drawing/2014/main" id="{C65A789E-6CA1-424E-B5C8-E7B05A5FD42E}"/>
-              </a:ext>
-            </a:extLst>
-          </p:cNvPr>
-          <p:cNvSpPr txBox="1"/>
-          <p:nvPr/>
-        </p:nvSpPr>
-        <p:spPr>
-          <a:xfrm>
-            <a:off x="1590907" y="1092820"/>
-            <a:ext cx="9010186" cy="4401205"/>
-          </a:xfrm>
-          <a:prstGeom prst="rect">
-            <a:avLst/>
-          </a:prstGeom>
-          <a:noFill/>
-        </p:spPr>
-        <p:txBody>
-          <a:bodyPr wrap="square" rtlCol="0">
-            <a:spAutoFit/>
-          </a:bodyPr>
-          <a:lstStyle/>
-          <a:p>
-            <a:r>
-              <a:rPr lang="ja-JP" altLang="en-US" sz="4000">
-                <a:latin typeface="STXihei" panose="02010600040101010101" pitchFamily="2" charset="-122"/>
-                <a:ea typeface="STXihei" panose="02010600040101010101" pitchFamily="2" charset="-122"/>
-              </a:rPr>
-              <a:t>至此</a:t>
-            </a:r>
-            <a:r>
-              <a:rPr lang="zh-CN" altLang="en-US" sz="4000" dirty="0">
-                <a:latin typeface="STXihei" panose="02010600040101010101" pitchFamily="2" charset="-122"/>
-                <a:ea typeface="STXihei" panose="02010600040101010101" pitchFamily="2" charset="-122"/>
-              </a:rPr>
-              <a:t>，</a:t>
-            </a:r>
-            <a:r>
-              <a:rPr lang="ja-JP" altLang="en-US" sz="4000">
-                <a:latin typeface="STXihei" panose="02010600040101010101" pitchFamily="2" charset="-122"/>
-                <a:ea typeface="STXihei" panose="02010600040101010101" pitchFamily="2" charset="-122"/>
-              </a:rPr>
-              <a:t>我们基本完成了案例所提的要求</a:t>
-            </a:r>
-            <a:r>
-              <a:rPr lang="zh-CN" altLang="en-US" sz="4000" dirty="0">
-                <a:latin typeface="STXihei" panose="02010600040101010101" pitchFamily="2" charset="-122"/>
-                <a:ea typeface="STXihei" panose="02010600040101010101" pitchFamily="2" charset="-122"/>
-              </a:rPr>
-              <a:t>：</a:t>
-            </a:r>
-            <a:r>
-              <a:rPr lang="ja-JP" altLang="en-US" sz="4000">
-                <a:latin typeface="STXihei" panose="02010600040101010101" pitchFamily="2" charset="-122"/>
-                <a:ea typeface="STXihei" panose="02010600040101010101" pitchFamily="2" charset="-122"/>
-              </a:rPr>
-              <a:t>设计大规模</a:t>
-            </a:r>
-            <a:r>
-              <a:rPr lang="en-US" altLang="ja-JP" sz="4000" dirty="0">
-                <a:latin typeface="STXihei" panose="02010600040101010101" pitchFamily="2" charset="-122"/>
-                <a:ea typeface="STXihei" panose="02010600040101010101" pitchFamily="2" charset="-122"/>
-              </a:rPr>
-              <a:t>milk-run</a:t>
-            </a:r>
-            <a:r>
-              <a:rPr lang="ja-JP" altLang="en-US" sz="4000">
-                <a:latin typeface="STXihei" panose="02010600040101010101" pitchFamily="2" charset="-122"/>
-                <a:ea typeface="STXihei" panose="02010600040101010101" pitchFamily="2" charset="-122"/>
-              </a:rPr>
-              <a:t>方案</a:t>
-            </a:r>
-            <a:r>
-              <a:rPr lang="zh-CN" altLang="en-US" sz="4000" dirty="0">
-                <a:latin typeface="STXihei" panose="02010600040101010101" pitchFamily="2" charset="-122"/>
-                <a:ea typeface="STXihei" panose="02010600040101010101" pitchFamily="2" charset="-122"/>
-              </a:rPr>
-              <a:t>，</a:t>
-            </a:r>
-            <a:r>
-              <a:rPr lang="ja-JP" altLang="en-US" sz="4000">
-                <a:latin typeface="STXihei" panose="02010600040101010101" pitchFamily="2" charset="-122"/>
-                <a:ea typeface="STXihei" panose="02010600040101010101" pitchFamily="2" charset="-122"/>
-              </a:rPr>
-              <a:t>进行突发因素的分析</a:t>
-            </a:r>
-            <a:r>
-              <a:rPr lang="zh-CN" altLang="en-US" sz="4000" dirty="0">
-                <a:latin typeface="STXihei" panose="02010600040101010101" pitchFamily="2" charset="-122"/>
-                <a:ea typeface="STXihei" panose="02010600040101010101" pitchFamily="2" charset="-122"/>
-              </a:rPr>
-              <a:t>。</a:t>
-            </a:r>
-            <a:endParaRPr lang="en-US" altLang="zh-CN" sz="4000" dirty="0">
-              <a:latin typeface="STXihei" panose="02010600040101010101" pitchFamily="2" charset="-122"/>
-              <a:ea typeface="STXihei" panose="02010600040101010101" pitchFamily="2" charset="-122"/>
-            </a:endParaRPr>
-          </a:p>
-          <a:p>
-            <a:endParaRPr lang="en-US" sz="4000" dirty="0">
-              <a:latin typeface="STXihei" panose="02010600040101010101" pitchFamily="2" charset="-122"/>
-              <a:ea typeface="STXihei" panose="02010600040101010101" pitchFamily="2" charset="-122"/>
-            </a:endParaRPr>
-          </a:p>
-          <a:p>
-            <a:r>
-              <a:rPr lang="ja-JP" altLang="en-US" sz="4000">
-                <a:latin typeface="STXihei" panose="02010600040101010101" pitchFamily="2" charset="-122"/>
-                <a:ea typeface="STXihei" panose="02010600040101010101" pitchFamily="2" charset="-122"/>
-              </a:rPr>
-              <a:t>我们的项目地址</a:t>
-            </a:r>
-            <a:r>
-              <a:rPr lang="zh-CN" altLang="en-US" sz="4000" dirty="0">
-                <a:latin typeface="STXihei" panose="02010600040101010101" pitchFamily="2" charset="-122"/>
-                <a:ea typeface="STXihei" panose="02010600040101010101" pitchFamily="2" charset="-122"/>
-              </a:rPr>
-              <a:t>：</a:t>
-            </a:r>
-            <a:r>
-              <a:rPr lang="en-US" sz="4000" dirty="0">
-                <a:hlinkClick r:id="rId2"/>
-              </a:rPr>
-              <a:t>https://github.com/lx1374327576/logistic_project/</a:t>
-            </a:r>
-            <a:endParaRPr lang="en-US" sz="4000" dirty="0">
-              <a:latin typeface="STXihei" panose="02010600040101010101" pitchFamily="2" charset="-122"/>
-              <a:ea typeface="STXihei" panose="02010600040101010101" pitchFamily="2" charset="-122"/>
-            </a:endParaRPr>
-          </a:p>
-        </p:txBody>
-      </p:sp>
-    </p:spTree>
-    <p:extLst>
-      <p:ext uri="{BB962C8B-B14F-4D97-AF65-F5344CB8AC3E}">
-        <p14:creationId xmlns:p14="http://schemas.microsoft.com/office/powerpoint/2010/main" val="441705871"/>
-      </p:ext>
-    </p:extLst>
-  </p:cSld>
-  <p:clrMapOvr>
-    <a:masterClrMapping/>
-  </p:clrMapOvr>
-</p:sld>
-</file>
-
 <file path=ppt/slides/slide16.xml><?xml version="1.0" encoding="utf-8"?>
 <p:sld xmlns:a="http://schemas.openxmlformats.org/drawingml/2006/main" xmlns:r="http://schemas.openxmlformats.org/officeDocument/2006/relationships" xmlns:p="http://schemas.openxmlformats.org/presentationml/2006/main">
   <p:cSld>
@@ -4653,6 +4596,173 @@
           <p:cNvPr id="4" name="TextBox 3">
             <a:extLst>
               <a:ext uri="{FF2B5EF4-FFF2-40B4-BE49-F238E27FC236}">
+                <a16:creationId xmlns:a16="http://schemas.microsoft.com/office/drawing/2014/main" id="{C65A789E-6CA1-424E-B5C8-E7B05A5FD42E}"/>
+              </a:ext>
+            </a:extLst>
+          </p:cNvPr>
+          <p:cNvSpPr txBox="1"/>
+          <p:nvPr/>
+        </p:nvSpPr>
+        <p:spPr>
+          <a:xfrm>
+            <a:off x="1590907" y="1092820"/>
+            <a:ext cx="9010186" cy="4401205"/>
+          </a:xfrm>
+          <a:prstGeom prst="rect">
+            <a:avLst/>
+          </a:prstGeom>
+          <a:noFill/>
+        </p:spPr>
+        <p:txBody>
+          <a:bodyPr wrap="square" rtlCol="0">
+            <a:spAutoFit/>
+          </a:bodyPr>
+          <a:lstStyle/>
+          <a:p>
+            <a:r>
+              <a:rPr lang="ja-JP" altLang="en-US" sz="4000">
+                <a:latin typeface="STXihei" panose="02010600040101010101" pitchFamily="2" charset="-122"/>
+                <a:ea typeface="STXihei" panose="02010600040101010101" pitchFamily="2" charset="-122"/>
+              </a:rPr>
+              <a:t>至此</a:t>
+            </a:r>
+            <a:r>
+              <a:rPr lang="zh-CN" altLang="en-US" sz="4000" dirty="0">
+                <a:latin typeface="STXihei" panose="02010600040101010101" pitchFamily="2" charset="-122"/>
+                <a:ea typeface="STXihei" panose="02010600040101010101" pitchFamily="2" charset="-122"/>
+              </a:rPr>
+              <a:t>，</a:t>
+            </a:r>
+            <a:r>
+              <a:rPr lang="ja-JP" altLang="en-US" sz="4000">
+                <a:latin typeface="STXihei" panose="02010600040101010101" pitchFamily="2" charset="-122"/>
+                <a:ea typeface="STXihei" panose="02010600040101010101" pitchFamily="2" charset="-122"/>
+              </a:rPr>
+              <a:t>我们基本完成了案例所提的要求</a:t>
+            </a:r>
+            <a:r>
+              <a:rPr lang="zh-CN" altLang="en-US" sz="4000" dirty="0">
+                <a:latin typeface="STXihei" panose="02010600040101010101" pitchFamily="2" charset="-122"/>
+                <a:ea typeface="STXihei" panose="02010600040101010101" pitchFamily="2" charset="-122"/>
+              </a:rPr>
+              <a:t>：</a:t>
+            </a:r>
+            <a:r>
+              <a:rPr lang="ja-JP" altLang="en-US" sz="4000">
+                <a:latin typeface="STXihei" panose="02010600040101010101" pitchFamily="2" charset="-122"/>
+                <a:ea typeface="STXihei" panose="02010600040101010101" pitchFamily="2" charset="-122"/>
+              </a:rPr>
+              <a:t>设计大规模</a:t>
+            </a:r>
+            <a:r>
+              <a:rPr lang="en-US" altLang="ja-JP" sz="4000" dirty="0">
+                <a:latin typeface="STXihei" panose="02010600040101010101" pitchFamily="2" charset="-122"/>
+                <a:ea typeface="STXihei" panose="02010600040101010101" pitchFamily="2" charset="-122"/>
+              </a:rPr>
+              <a:t>milk-run</a:t>
+            </a:r>
+            <a:r>
+              <a:rPr lang="ja-JP" altLang="en-US" sz="4000">
+                <a:latin typeface="STXihei" panose="02010600040101010101" pitchFamily="2" charset="-122"/>
+                <a:ea typeface="STXihei" panose="02010600040101010101" pitchFamily="2" charset="-122"/>
+              </a:rPr>
+              <a:t>方案</a:t>
+            </a:r>
+            <a:r>
+              <a:rPr lang="zh-CN" altLang="en-US" sz="4000" dirty="0">
+                <a:latin typeface="STXihei" panose="02010600040101010101" pitchFamily="2" charset="-122"/>
+                <a:ea typeface="STXihei" panose="02010600040101010101" pitchFamily="2" charset="-122"/>
+              </a:rPr>
+              <a:t>，</a:t>
+            </a:r>
+            <a:r>
+              <a:rPr lang="ja-JP" altLang="en-US" sz="4000">
+                <a:latin typeface="STXihei" panose="02010600040101010101" pitchFamily="2" charset="-122"/>
+                <a:ea typeface="STXihei" panose="02010600040101010101" pitchFamily="2" charset="-122"/>
+              </a:rPr>
+              <a:t>进行突发因素的分析</a:t>
+            </a:r>
+            <a:r>
+              <a:rPr lang="zh-CN" altLang="en-US" sz="4000" dirty="0">
+                <a:latin typeface="STXihei" panose="02010600040101010101" pitchFamily="2" charset="-122"/>
+                <a:ea typeface="STXihei" panose="02010600040101010101" pitchFamily="2" charset="-122"/>
+              </a:rPr>
+              <a:t>。</a:t>
+            </a:r>
+            <a:endParaRPr lang="en-US" altLang="zh-CN" sz="4000" dirty="0">
+              <a:latin typeface="STXihei" panose="02010600040101010101" pitchFamily="2" charset="-122"/>
+              <a:ea typeface="STXihei" panose="02010600040101010101" pitchFamily="2" charset="-122"/>
+            </a:endParaRPr>
+          </a:p>
+          <a:p>
+            <a:endParaRPr lang="en-US" sz="4000" dirty="0">
+              <a:latin typeface="STXihei" panose="02010600040101010101" pitchFamily="2" charset="-122"/>
+              <a:ea typeface="STXihei" panose="02010600040101010101" pitchFamily="2" charset="-122"/>
+            </a:endParaRPr>
+          </a:p>
+          <a:p>
+            <a:r>
+              <a:rPr lang="ja-JP" altLang="en-US" sz="4000">
+                <a:latin typeface="STXihei" panose="02010600040101010101" pitchFamily="2" charset="-122"/>
+                <a:ea typeface="STXihei" panose="02010600040101010101" pitchFamily="2" charset="-122"/>
+              </a:rPr>
+              <a:t>我们的项目地址</a:t>
+            </a:r>
+            <a:r>
+              <a:rPr lang="zh-CN" altLang="en-US" sz="4000" dirty="0">
+                <a:latin typeface="STXihei" panose="02010600040101010101" pitchFamily="2" charset="-122"/>
+                <a:ea typeface="STXihei" panose="02010600040101010101" pitchFamily="2" charset="-122"/>
+              </a:rPr>
+              <a:t>：</a:t>
+            </a:r>
+            <a:r>
+              <a:rPr lang="en-US" sz="4000" dirty="0">
+                <a:hlinkClick r:id="rId2"/>
+              </a:rPr>
+              <a:t>https://github.com/lx1374327576/logistic_project/</a:t>
+            </a:r>
+            <a:endParaRPr lang="en-US" sz="4000" dirty="0">
+              <a:latin typeface="STXihei" panose="02010600040101010101" pitchFamily="2" charset="-122"/>
+              <a:ea typeface="STXihei" panose="02010600040101010101" pitchFamily="2" charset="-122"/>
+            </a:endParaRPr>
+          </a:p>
+        </p:txBody>
+      </p:sp>
+    </p:spTree>
+    <p:extLst>
+      <p:ext uri="{BB962C8B-B14F-4D97-AF65-F5344CB8AC3E}">
+        <p14:creationId xmlns:p14="http://schemas.microsoft.com/office/powerpoint/2010/main" val="441705871"/>
+      </p:ext>
+    </p:extLst>
+  </p:cSld>
+  <p:clrMapOvr>
+    <a:masterClrMapping/>
+  </p:clrMapOvr>
+</p:sld>
+</file>
+
+<file path=ppt/slides/slide17.xml><?xml version="1.0" encoding="utf-8"?>
+<p:sld xmlns:a="http://schemas.openxmlformats.org/drawingml/2006/main" xmlns:r="http://schemas.openxmlformats.org/officeDocument/2006/relationships" xmlns:p="http://schemas.openxmlformats.org/presentationml/2006/main">
+  <p:cSld>
+    <p:spTree>
+      <p:nvGrpSpPr>
+        <p:cNvPr id="1" name=""/>
+        <p:cNvGrpSpPr/>
+        <p:nvPr/>
+      </p:nvGrpSpPr>
+      <p:grpSpPr>
+        <a:xfrm>
+          <a:off x="0" y="0"/>
+          <a:ext cx="0" cy="0"/>
+          <a:chOff x="0" y="0"/>
+          <a:chExt cx="0" cy="0"/>
+        </a:xfrm>
+      </p:grpSpPr>
+      <p:sp>
+        <p:nvSpPr>
+          <p:cNvPr id="4" name="TextBox 3">
+            <a:extLst>
+              <a:ext uri="{FF2B5EF4-FFF2-40B4-BE49-F238E27FC236}">
                 <a16:creationId xmlns:a16="http://schemas.microsoft.com/office/drawing/2014/main" id="{38459FBE-5D38-3941-81F8-21D41D9CA0CD}"/>
               </a:ext>
             </a:extLst>
@@ -4804,7 +4914,7 @@
 </p:sld>
 </file>
 
-<file path=ppt/slides/slide17.xml><?xml version="1.0" encoding="utf-8"?>
+<file path=ppt/slides/slide18.xml><?xml version="1.0" encoding="utf-8"?>
 <p:sld xmlns:a="http://schemas.openxmlformats.org/drawingml/2006/main" xmlns:r="http://schemas.openxmlformats.org/officeDocument/2006/relationships" xmlns:p="http://schemas.openxmlformats.org/presentationml/2006/main">
   <p:cSld>
     <p:spTree>
@@ -5101,6 +5211,108 @@
 </file>
 
 <file path=ppt/slides/slide3.xml><?xml version="1.0" encoding="utf-8"?>
+<p:sld xmlns:a="http://schemas.openxmlformats.org/drawingml/2006/main" xmlns:r="http://schemas.openxmlformats.org/officeDocument/2006/relationships" xmlns:p="http://schemas.openxmlformats.org/presentationml/2006/main">
+  <p:cSld>
+    <p:spTree>
+      <p:nvGrpSpPr>
+        <p:cNvPr id="1" name=""/>
+        <p:cNvGrpSpPr/>
+        <p:nvPr/>
+      </p:nvGrpSpPr>
+      <p:grpSpPr>
+        <a:xfrm>
+          <a:off x="0" y="0"/>
+          <a:ext cx="0" cy="0"/>
+          <a:chOff x="0" y="0"/>
+          <a:chExt cx="0" cy="0"/>
+        </a:xfrm>
+      </p:grpSpPr>
+      <p:pic>
+        <p:nvPicPr>
+          <p:cNvPr id="4" name="Picture 3">
+            <a:extLst>
+              <a:ext uri="{FF2B5EF4-FFF2-40B4-BE49-F238E27FC236}">
+                <a16:creationId xmlns:a16="http://schemas.microsoft.com/office/drawing/2014/main" id="{BA585825-A560-514F-88AD-1933535B05B1}"/>
+              </a:ext>
+            </a:extLst>
+          </p:cNvPr>
+          <p:cNvPicPr>
+            <a:picLocks noChangeAspect="1"/>
+          </p:cNvPicPr>
+          <p:nvPr/>
+        </p:nvPicPr>
+        <p:blipFill>
+          <a:blip r:embed="rId2"/>
+          <a:stretch>
+            <a:fillRect/>
+          </a:stretch>
+        </p:blipFill>
+        <p:spPr>
+          <a:xfrm>
+            <a:off x="2280525" y="1577209"/>
+            <a:ext cx="4330700" cy="4229100"/>
+          </a:xfrm>
+          <a:prstGeom prst="rect">
+            <a:avLst/>
+          </a:prstGeom>
+        </p:spPr>
+      </p:pic>
+      <p:sp>
+        <p:nvSpPr>
+          <p:cNvPr id="5" name="TextBox 4">
+            <a:extLst>
+              <a:ext uri="{FF2B5EF4-FFF2-40B4-BE49-F238E27FC236}">
+                <a16:creationId xmlns:a16="http://schemas.microsoft.com/office/drawing/2014/main" id="{83482E5E-85D0-CB4F-83D5-665A8595BDE8}"/>
+              </a:ext>
+            </a:extLst>
+          </p:cNvPr>
+          <p:cNvSpPr txBox="1"/>
+          <p:nvPr/>
+        </p:nvSpPr>
+        <p:spPr>
+          <a:xfrm>
+            <a:off x="987972" y="585881"/>
+            <a:ext cx="5496910" cy="707886"/>
+          </a:xfrm>
+          <a:prstGeom prst="rect">
+            <a:avLst/>
+          </a:prstGeom>
+          <a:noFill/>
+        </p:spPr>
+        <p:txBody>
+          <a:bodyPr wrap="square" rtlCol="0">
+            <a:spAutoFit/>
+          </a:bodyPr>
+          <a:lstStyle/>
+          <a:p>
+            <a:r>
+              <a:rPr lang="ja-JP" altLang="en-US" sz="4000">
+                <a:latin typeface="STXihei" panose="02010600040101010101" pitchFamily="2" charset="-122"/>
+                <a:ea typeface="STXihei" panose="02010600040101010101" pitchFamily="2" charset="-122"/>
+              </a:rPr>
+              <a:t>理论基础</a:t>
+            </a:r>
+            <a:endParaRPr lang="en-US" sz="4000" dirty="0">
+              <a:latin typeface="STXihei" panose="02010600040101010101" pitchFamily="2" charset="-122"/>
+              <a:ea typeface="STXihei" panose="02010600040101010101" pitchFamily="2" charset="-122"/>
+            </a:endParaRPr>
+          </a:p>
+        </p:txBody>
+      </p:sp>
+    </p:spTree>
+    <p:extLst>
+      <p:ext uri="{BB962C8B-B14F-4D97-AF65-F5344CB8AC3E}">
+        <p14:creationId xmlns:p14="http://schemas.microsoft.com/office/powerpoint/2010/main" val="1403020045"/>
+      </p:ext>
+    </p:extLst>
+  </p:cSld>
+  <p:clrMapOvr>
+    <a:masterClrMapping/>
+  </p:clrMapOvr>
+</p:sld>
+</file>
+
+<file path=ppt/slides/slide4.xml><?xml version="1.0" encoding="utf-8"?>
 <p:sld xmlns:a="http://schemas.openxmlformats.org/drawingml/2006/main" xmlns:r="http://schemas.openxmlformats.org/officeDocument/2006/relationships" xmlns:p="http://schemas.openxmlformats.org/presentationml/2006/main">
   <p:cSld>
     <p:spTree>
@@ -5239,7 +5451,7 @@
 </p:sld>
 </file>
 
-<file path=ppt/slides/slide4.xml><?xml version="1.0" encoding="utf-8"?>
+<file path=ppt/slides/slide5.xml><?xml version="1.0" encoding="utf-8"?>
 <p:sld xmlns:a="http://schemas.openxmlformats.org/drawingml/2006/main" xmlns:r="http://schemas.openxmlformats.org/officeDocument/2006/relationships" xmlns:p="http://schemas.openxmlformats.org/presentationml/2006/main">
   <p:cSld>
     <p:spTree>
@@ -5378,7 +5590,7 @@
 </p:sld>
 </file>
 
-<file path=ppt/slides/slide5.xml><?xml version="1.0" encoding="utf-8"?>
+<file path=ppt/slides/slide6.xml><?xml version="1.0" encoding="utf-8"?>
 <p:sld xmlns:a="http://schemas.openxmlformats.org/drawingml/2006/main" xmlns:r="http://schemas.openxmlformats.org/officeDocument/2006/relationships" xmlns:p="http://schemas.openxmlformats.org/presentationml/2006/main">
   <p:cSld>
     <p:spTree>
@@ -5551,7 +5763,7 @@
 </p:sld>
 </file>
 
-<file path=ppt/slides/slide6.xml><?xml version="1.0" encoding="utf-8"?>
+<file path=ppt/slides/slide7.xml><?xml version="1.0" encoding="utf-8"?>
 <p:sld xmlns:a="http://schemas.openxmlformats.org/drawingml/2006/main" xmlns:r="http://schemas.openxmlformats.org/officeDocument/2006/relationships" xmlns:p="http://schemas.openxmlformats.org/presentationml/2006/main">
   <p:cSld>
     <p:spTree>
@@ -5645,7 +5857,7 @@
           <a:graphicData uri="http://schemas.openxmlformats.org/presentationml/2006/ole">
             <mc:AlternateContent xmlns:mc="http://schemas.openxmlformats.org/markup-compatibility/2006">
               <mc:Choice xmlns:v="urn:schemas-microsoft-com:vml" Requires="v">
-                <p:oleObj spid="_x0000_s2132" r:id="rId3" imgW="1727200" imgH="342900" progId="Equation.KSEE3">
+                <p:oleObj spid="_x0000_s2141" r:id="rId3" imgW="1727200" imgH="342900" progId="Equation.KSEE3">
                   <p:embed/>
                 </p:oleObj>
               </mc:Choice>
@@ -5727,7 +5939,7 @@
           <a:graphicData uri="http://schemas.openxmlformats.org/presentationml/2006/ole">
             <mc:AlternateContent xmlns:mc="http://schemas.openxmlformats.org/markup-compatibility/2006">
               <mc:Choice xmlns:v="urn:schemas-microsoft-com:vml" Requires="v">
-                <p:oleObj spid="_x0000_s2133" r:id="rId5" imgW="1397000" imgH="342900" progId="Equation.KSEE3">
+                <p:oleObj spid="_x0000_s2142" r:id="rId5" imgW="1397000" imgH="342900" progId="Equation.KSEE3">
                   <p:embed/>
                 </p:oleObj>
               </mc:Choice>
@@ -5809,7 +6021,7 @@
           <a:graphicData uri="http://schemas.openxmlformats.org/presentationml/2006/ole">
             <mc:AlternateContent xmlns:mc="http://schemas.openxmlformats.org/markup-compatibility/2006">
               <mc:Choice xmlns:v="urn:schemas-microsoft-com:vml" Requires="v">
-                <p:oleObj spid="_x0000_s2134" r:id="rId7" imgW="660400" imgH="342900" progId="Equation.KSEE3">
+                <p:oleObj spid="_x0000_s2143" r:id="rId7" imgW="660400" imgH="342900" progId="Equation.KSEE3">
                   <p:embed/>
                 </p:oleObj>
               </mc:Choice>
@@ -5891,7 +6103,7 @@
           <a:graphicData uri="http://schemas.openxmlformats.org/presentationml/2006/ole">
             <mc:AlternateContent xmlns:mc="http://schemas.openxmlformats.org/markup-compatibility/2006">
               <mc:Choice xmlns:v="urn:schemas-microsoft-com:vml" Requires="v">
-                <p:oleObj spid="_x0000_s2135" r:id="rId9" imgW="1574800" imgH="342900" progId="Equation.KSEE3">
+                <p:oleObj spid="_x0000_s2144" r:id="rId9" imgW="1574800" imgH="342900" progId="Equation.KSEE3">
                   <p:embed/>
                 </p:oleObj>
               </mc:Choice>
@@ -5973,7 +6185,7 @@
           <a:graphicData uri="http://schemas.openxmlformats.org/presentationml/2006/ole">
             <mc:AlternateContent xmlns:mc="http://schemas.openxmlformats.org/markup-compatibility/2006">
               <mc:Choice xmlns:v="urn:schemas-microsoft-com:vml" Requires="v">
-                <p:oleObj spid="_x0000_s2136" r:id="rId11" imgW="1536700" imgH="355600" progId="Equation.KSEE3">
+                <p:oleObj spid="_x0000_s2145" r:id="rId11" imgW="1536700" imgH="355600" progId="Equation.KSEE3">
                   <p:embed/>
                 </p:oleObj>
               </mc:Choice>
@@ -6055,7 +6267,7 @@
           <a:graphicData uri="http://schemas.openxmlformats.org/presentationml/2006/ole">
             <mc:AlternateContent xmlns:mc="http://schemas.openxmlformats.org/markup-compatibility/2006">
               <mc:Choice xmlns:v="urn:schemas-microsoft-com:vml" Requires="v">
-                <p:oleObj spid="_x0000_s2137" r:id="rId13" imgW="2159000" imgH="241300" progId="Equation.KSEE3">
+                <p:oleObj spid="_x0000_s2146" r:id="rId13" imgW="2159000" imgH="241300" progId="Equation.KSEE3">
                   <p:embed/>
                 </p:oleObj>
               </mc:Choice>
@@ -6137,7 +6349,7 @@
           <a:graphicData uri="http://schemas.openxmlformats.org/presentationml/2006/ole">
             <mc:AlternateContent xmlns:mc="http://schemas.openxmlformats.org/markup-compatibility/2006">
               <mc:Choice xmlns:v="urn:schemas-microsoft-com:vml" Requires="v">
-                <p:oleObj spid="_x0000_s2138" r:id="rId15" imgW="2070100" imgH="228600" progId="Equation.KSEE3">
+                <p:oleObj spid="_x0000_s2147" r:id="rId15" imgW="2070100" imgH="228600" progId="Equation.KSEE3">
                   <p:embed/>
                 </p:oleObj>
               </mc:Choice>
@@ -6219,7 +6431,7 @@
           <a:graphicData uri="http://schemas.openxmlformats.org/presentationml/2006/ole">
             <mc:AlternateContent xmlns:mc="http://schemas.openxmlformats.org/markup-compatibility/2006">
               <mc:Choice xmlns:v="urn:schemas-microsoft-com:vml" Requires="v">
-                <p:oleObj spid="_x0000_s2139" r:id="rId17" imgW="2984500" imgH="266700" progId="Equation.KSEE3">
+                <p:oleObj spid="_x0000_s2148" r:id="rId17" imgW="2984500" imgH="266700" progId="Equation.KSEE3">
                   <p:embed/>
                 </p:oleObj>
               </mc:Choice>
@@ -6301,7 +6513,7 @@
           <a:graphicData uri="http://schemas.openxmlformats.org/presentationml/2006/ole">
             <mc:AlternateContent xmlns:mc="http://schemas.openxmlformats.org/markup-compatibility/2006">
               <mc:Choice xmlns:v="urn:schemas-microsoft-com:vml" Requires="v">
-                <p:oleObj spid="_x0000_s2140" r:id="rId19" imgW="3238500" imgH="279400" progId="Equation.KSEE3">
+                <p:oleObj spid="_x0000_s2149" r:id="rId19" imgW="3238500" imgH="279400" progId="Equation.KSEE3">
                   <p:embed/>
                 </p:oleObj>
               </mc:Choice>
@@ -7003,7 +7215,7 @@
 </p:sld>
 </file>
 
-<file path=ppt/slides/slide7.xml><?xml version="1.0" encoding="utf-8"?>
+<file path=ppt/slides/slide8.xml><?xml version="1.0" encoding="utf-8"?>
 <p:sld xmlns:a="http://schemas.openxmlformats.org/drawingml/2006/main" xmlns:r="http://schemas.openxmlformats.org/officeDocument/2006/relationships" xmlns:p="http://schemas.openxmlformats.org/presentationml/2006/main">
   <p:cSld>
     <p:spTree>
@@ -7485,7 +7697,7 @@
           <a:graphicData uri="http://schemas.openxmlformats.org/presentationml/2006/ole">
             <mc:AlternateContent xmlns:mc="http://schemas.openxmlformats.org/markup-compatibility/2006">
               <mc:Choice xmlns:v="urn:schemas-microsoft-com:vml" Requires="v">
-                <p:oleObj spid="_x0000_s1038" r:id="rId3" imgW="2743200" imgH="457200" progId="Equation.KSEE3">
+                <p:oleObj spid="_x0000_s1039" r:id="rId3" imgW="2743200" imgH="457200" progId="Equation.KSEE3">
                   <p:embed/>
                 </p:oleObj>
               </mc:Choice>
@@ -7543,7 +7755,7 @@
 </p:sld>
 </file>
 
-<file path=ppt/slides/slide8.xml><?xml version="1.0" encoding="utf-8"?>
+<file path=ppt/slides/slide9.xml><?xml version="1.0" encoding="utf-8"?>
 <p:sld xmlns:a="http://schemas.openxmlformats.org/drawingml/2006/main" xmlns:r="http://schemas.openxmlformats.org/officeDocument/2006/relationships" xmlns:p="http://schemas.openxmlformats.org/presentationml/2006/main">
   <p:cSld>
     <p:spTree>
@@ -7643,115 +7855,6 @@
     <p:extLst>
       <p:ext uri="{BB962C8B-B14F-4D97-AF65-F5344CB8AC3E}">
         <p14:creationId xmlns:p14="http://schemas.microsoft.com/office/powerpoint/2010/main" val="1236238101"/>
-      </p:ext>
-    </p:extLst>
-  </p:cSld>
-  <p:clrMapOvr>
-    <a:masterClrMapping/>
-  </p:clrMapOvr>
-</p:sld>
-</file>
-
-<file path=ppt/slides/slide9.xml><?xml version="1.0" encoding="utf-8"?>
-<p:sld xmlns:a="http://schemas.openxmlformats.org/drawingml/2006/main" xmlns:r="http://schemas.openxmlformats.org/officeDocument/2006/relationships" xmlns:p="http://schemas.openxmlformats.org/presentationml/2006/main">
-  <p:cSld>
-    <p:spTree>
-      <p:nvGrpSpPr>
-        <p:cNvPr id="1" name=""/>
-        <p:cNvGrpSpPr/>
-        <p:nvPr/>
-      </p:nvGrpSpPr>
-      <p:grpSpPr>
-        <a:xfrm>
-          <a:off x="0" y="0"/>
-          <a:ext cx="0" cy="0"/>
-          <a:chOff x="0" y="0"/>
-          <a:chExt cx="0" cy="0"/>
-        </a:xfrm>
-      </p:grpSpPr>
-      <p:sp>
-        <p:nvSpPr>
-          <p:cNvPr id="2" name="TextBox 1">
-            <a:extLst>
-              <a:ext uri="{FF2B5EF4-FFF2-40B4-BE49-F238E27FC236}">
-                <a16:creationId xmlns:a16="http://schemas.microsoft.com/office/drawing/2014/main" id="{55C088E4-8FFF-8B42-95E6-67DAEAF887EA}"/>
-              </a:ext>
-            </a:extLst>
-          </p:cNvPr>
-          <p:cNvSpPr txBox="1"/>
-          <p:nvPr/>
-        </p:nvSpPr>
-        <p:spPr>
-          <a:xfrm>
-            <a:off x="1646664" y="523635"/>
-            <a:ext cx="8474927" cy="707886"/>
-          </a:xfrm>
-          <a:prstGeom prst="rect">
-            <a:avLst/>
-          </a:prstGeom>
-          <a:noFill/>
-        </p:spPr>
-        <p:txBody>
-          <a:bodyPr wrap="square" rtlCol="0">
-            <a:spAutoFit/>
-          </a:bodyPr>
-          <a:lstStyle/>
-          <a:p>
-            <a:r>
-              <a:rPr lang="ja-JP" altLang="en-US" sz="4000">
-                <a:latin typeface="STXihei" panose="02010600040101010101" pitchFamily="2" charset="-122"/>
-                <a:ea typeface="STXihei" panose="02010600040101010101" pitchFamily="2" charset="-122"/>
-              </a:rPr>
-              <a:t>运行结果</a:t>
-            </a:r>
-            <a:r>
-              <a:rPr lang="zh-CN" altLang="en-US" sz="4000" dirty="0">
-                <a:latin typeface="STXihei" panose="02010600040101010101" pitchFamily="2" charset="-122"/>
-                <a:ea typeface="STXihei" panose="02010600040101010101" pitchFamily="2" charset="-122"/>
-              </a:rPr>
-              <a:t>：</a:t>
-            </a:r>
-            <a:endParaRPr lang="en-US" altLang="zh-CN" sz="4000" dirty="0">
-              <a:latin typeface="STXihei" panose="02010600040101010101" pitchFamily="2" charset="-122"/>
-              <a:ea typeface="STXihei" panose="02010600040101010101" pitchFamily="2" charset="-122"/>
-            </a:endParaRPr>
-          </a:p>
-        </p:txBody>
-      </p:sp>
-      <p:pic>
-        <p:nvPicPr>
-          <p:cNvPr id="3" name="Picture 2">
-            <a:extLst>
-              <a:ext uri="{FF2B5EF4-FFF2-40B4-BE49-F238E27FC236}">
-                <a16:creationId xmlns:a16="http://schemas.microsoft.com/office/drawing/2014/main" id="{97554A33-F807-764D-BBC8-9543FD21442B}"/>
-              </a:ext>
-            </a:extLst>
-          </p:cNvPr>
-          <p:cNvPicPr>
-            <a:picLocks noChangeAspect="1"/>
-          </p:cNvPicPr>
-          <p:nvPr/>
-        </p:nvPicPr>
-        <p:blipFill>
-          <a:blip r:embed="rId2"/>
-          <a:stretch>
-            <a:fillRect/>
-          </a:stretch>
-        </p:blipFill>
-        <p:spPr>
-          <a:xfrm>
-            <a:off x="1846147" y="2089615"/>
-            <a:ext cx="8499705" cy="2337419"/>
-          </a:xfrm>
-          <a:prstGeom prst="rect">
-            <a:avLst/>
-          </a:prstGeom>
-        </p:spPr>
-      </p:pic>
-    </p:spTree>
-    <p:extLst>
-      <p:ext uri="{BB962C8B-B14F-4D97-AF65-F5344CB8AC3E}">
-        <p14:creationId xmlns:p14="http://schemas.microsoft.com/office/powerpoint/2010/main" val="1261625673"/>
       </p:ext>
     </p:extLst>
   </p:cSld>
